--- a/Ders 2/Ders 2.pptx
+++ b/Ders 2/Ders 2.pptx
@@ -5,7 +5,7 @@
     <p:sldMasterId id="2147483648" r:id="rId1"/>
   </p:sldMasterIdLst>
   <p:notesMasterIdLst>
-    <p:notesMasterId r:id="rId26"/>
+    <p:notesMasterId r:id="rId29"/>
   </p:notesMasterIdLst>
   <p:sldIdLst>
     <p:sldId id="256" r:id="rId2"/>
@@ -24,14 +24,17 @@
     <p:sldId id="269" r:id="rId15"/>
     <p:sldId id="270" r:id="rId16"/>
     <p:sldId id="271" r:id="rId17"/>
-    <p:sldId id="272" r:id="rId18"/>
-    <p:sldId id="273" r:id="rId19"/>
-    <p:sldId id="274" r:id="rId20"/>
-    <p:sldId id="275" r:id="rId21"/>
-    <p:sldId id="276" r:id="rId22"/>
-    <p:sldId id="277" r:id="rId23"/>
-    <p:sldId id="279" r:id="rId24"/>
-    <p:sldId id="278" r:id="rId25"/>
+    <p:sldId id="281" r:id="rId18"/>
+    <p:sldId id="282" r:id="rId19"/>
+    <p:sldId id="272" r:id="rId20"/>
+    <p:sldId id="280" r:id="rId21"/>
+    <p:sldId id="273" r:id="rId22"/>
+    <p:sldId id="274" r:id="rId23"/>
+    <p:sldId id="275" r:id="rId24"/>
+    <p:sldId id="276" r:id="rId25"/>
+    <p:sldId id="277" r:id="rId26"/>
+    <p:sldId id="279" r:id="rId27"/>
+    <p:sldId id="278" r:id="rId28"/>
   </p:sldIdLst>
   <p:sldSz cx="12192000" cy="6858000"/>
   <p:notesSz cx="6858000" cy="9144000"/>
@@ -223,7 +226,7 @@
           <a:p>
             <a:fld id="{CCF0C1BC-F95F-4B5A-9A1E-83C5D1C12A1D}" type="datetimeFigureOut">
               <a:rPr lang="en-US" smtClean="0"/>
-              <a:t>8/2/2021</a:t>
+              <a:t>8/3/2021</a:t>
             </a:fld>
             <a:endParaRPr lang="en-US"/>
           </a:p>
@@ -2601,7 +2604,7 @@
           <a:p>
             <a:fld id="{5EEE182F-6FCF-42B1-A17B-880ABED4B25D}" type="slidenum">
               <a:rPr lang="en-US" smtClean="0"/>
-              <a:t>19</a:t>
+              <a:t>22</a:t>
             </a:fld>
             <a:endParaRPr lang="en-US"/>
           </a:p>
@@ -2767,7 +2770,7 @@
           <a:p>
             <a:fld id="{ED6B3B10-6CA9-47A0-B2F6-3C7B9540674C}" type="datetimeFigureOut">
               <a:rPr lang="en-US" smtClean="0"/>
-              <a:t>8/2/2021</a:t>
+              <a:t>8/3/2021</a:t>
             </a:fld>
             <a:endParaRPr lang="en-US"/>
           </a:p>
@@ -2965,7 +2968,7 @@
           <a:p>
             <a:fld id="{ED6B3B10-6CA9-47A0-B2F6-3C7B9540674C}" type="datetimeFigureOut">
               <a:rPr lang="en-US" smtClean="0"/>
-              <a:t>8/2/2021</a:t>
+              <a:t>8/3/2021</a:t>
             </a:fld>
             <a:endParaRPr lang="en-US"/>
           </a:p>
@@ -3173,7 +3176,7 @@
           <a:p>
             <a:fld id="{ED6B3B10-6CA9-47A0-B2F6-3C7B9540674C}" type="datetimeFigureOut">
               <a:rPr lang="en-US" smtClean="0"/>
-              <a:t>8/2/2021</a:t>
+              <a:t>8/3/2021</a:t>
             </a:fld>
             <a:endParaRPr lang="en-US"/>
           </a:p>
@@ -3423,7 +3426,7 @@
           <a:p>
             <a:fld id="{ED6B3B10-6CA9-47A0-B2F6-3C7B9540674C}" type="datetimeFigureOut">
               <a:rPr lang="en-US" smtClean="0"/>
-              <a:t>8/2/2021</a:t>
+              <a:t>8/3/2021</a:t>
             </a:fld>
             <a:endParaRPr lang="en-US"/>
           </a:p>
@@ -3780,7 +3783,7 @@
           <a:p>
             <a:fld id="{ED6B3B10-6CA9-47A0-B2F6-3C7B9540674C}" type="datetimeFigureOut">
               <a:rPr lang="en-US" smtClean="0"/>
-              <a:t>8/2/2021</a:t>
+              <a:t>8/3/2021</a:t>
             </a:fld>
             <a:endParaRPr lang="en-US"/>
           </a:p>
@@ -4127,7 +4130,7 @@
           <a:p>
             <a:fld id="{ED6B3B10-6CA9-47A0-B2F6-3C7B9540674C}" type="datetimeFigureOut">
               <a:rPr lang="en-US" smtClean="0"/>
-              <a:t>8/2/2021</a:t>
+              <a:t>8/3/2021</a:t>
             </a:fld>
             <a:endParaRPr lang="en-US"/>
           </a:p>
@@ -4621,7 +4624,7 @@
           <a:p>
             <a:fld id="{ED6B3B10-6CA9-47A0-B2F6-3C7B9540674C}" type="datetimeFigureOut">
               <a:rPr lang="en-US" smtClean="0"/>
-              <a:t>8/2/2021</a:t>
+              <a:t>8/3/2021</a:t>
             </a:fld>
             <a:endParaRPr lang="en-US"/>
           </a:p>
@@ -4792,7 +4795,7 @@
           <a:p>
             <a:fld id="{ED6B3B10-6CA9-47A0-B2F6-3C7B9540674C}" type="datetimeFigureOut">
               <a:rPr lang="en-US" smtClean="0"/>
-              <a:t>8/2/2021</a:t>
+              <a:t>8/3/2021</a:t>
             </a:fld>
             <a:endParaRPr lang="en-US"/>
           </a:p>
@@ -4905,7 +4908,7 @@
           <a:p>
             <a:fld id="{ED6B3B10-6CA9-47A0-B2F6-3C7B9540674C}" type="datetimeFigureOut">
               <a:rPr lang="en-US" smtClean="0"/>
-              <a:t>8/2/2021</a:t>
+              <a:t>8/3/2021</a:t>
             </a:fld>
             <a:endParaRPr lang="en-US"/>
           </a:p>
@@ -5216,7 +5219,7 @@
           <a:p>
             <a:fld id="{ED6B3B10-6CA9-47A0-B2F6-3C7B9540674C}" type="datetimeFigureOut">
               <a:rPr lang="en-US" smtClean="0"/>
-              <a:t>8/2/2021</a:t>
+              <a:t>8/3/2021</a:t>
             </a:fld>
             <a:endParaRPr lang="en-US"/>
           </a:p>
@@ -5504,7 +5507,7 @@
           <a:p>
             <a:fld id="{ED6B3B10-6CA9-47A0-B2F6-3C7B9540674C}" type="datetimeFigureOut">
               <a:rPr lang="en-US" smtClean="0"/>
-              <a:t>8/2/2021</a:t>
+              <a:t>8/3/2021</a:t>
             </a:fld>
             <a:endParaRPr lang="en-US"/>
           </a:p>
@@ -5834,7 +5837,7 @@
           <a:p>
             <a:fld id="{ED6B3B10-6CA9-47A0-B2F6-3C7B9540674C}" type="datetimeFigureOut">
               <a:rPr lang="en-US" smtClean="0"/>
-              <a:t>8/2/2021</a:t>
+              <a:t>8/3/2021</a:t>
             </a:fld>
             <a:endParaRPr lang="en-US"/>
           </a:p>
@@ -7896,7 +7899,7 @@
           <p:cNvPr id="4" name="Title 3">
             <a:extLst>
               <a:ext uri="{FF2B5EF4-FFF2-40B4-BE49-F238E27FC236}">
-                <a16:creationId xmlns:a16="http://schemas.microsoft.com/office/drawing/2014/main" id="{1E561CA5-E82F-49A2-BB1B-DF04E8F5C0E4}"/>
+                <a16:creationId xmlns:a16="http://schemas.microsoft.com/office/drawing/2014/main" id="{B466E8A2-D6A9-48F8-A9A0-4B235D82FBBD}"/>
               </a:ext>
             </a:extLst>
           </p:cNvPr>
@@ -7914,65 +7917,95 @@
           <a:p>
             <a:r>
               <a:rPr lang="tr-TR" dirty="0"/>
-              <a:t>Devre Şeması</a:t>
+              <a:t>IR Remote Kütüphanesini Ekleme</a:t>
             </a:r>
             <a:endParaRPr lang="en-US" dirty="0"/>
+          </a:p>
+        </p:txBody>
+      </p:sp>
+      <p:sp>
+        <p:nvSpPr>
+          <p:cNvPr id="5" name="Content Placeholder 4">
+            <a:extLst>
+              <a:ext uri="{FF2B5EF4-FFF2-40B4-BE49-F238E27FC236}">
+                <a16:creationId xmlns:a16="http://schemas.microsoft.com/office/drawing/2014/main" id="{99217601-541E-4858-B001-8F1E5947189E}"/>
+              </a:ext>
+            </a:extLst>
+          </p:cNvPr>
+          <p:cNvSpPr>
+            <a:spLocks noGrp="1"/>
+          </p:cNvSpPr>
+          <p:nvPr>
+            <p:ph idx="1"/>
+          </p:nvPr>
+        </p:nvSpPr>
+        <p:spPr/>
+        <p:txBody>
+          <a:bodyPr/>
+          <a:lstStyle/>
+          <a:p>
+            <a:r>
+              <a:rPr lang="tr-TR" dirty="0"/>
+              <a:t>Aşağıdaki linkten ZİP olarak indirelim</a:t>
+            </a:r>
+          </a:p>
+          <a:p>
+            <a:pPr marL="0" indent="0">
+              <a:buNone/>
+            </a:pPr>
+            <a:r>
+              <a:rPr lang="en-US" dirty="0">
+                <a:hlinkClick r:id="rId2"/>
+              </a:rPr>
+              <a:t>https://github.com/Arduino-IRremote/Arduino-IRremote</a:t>
+            </a:r>
+            <a:endParaRPr lang="tr-TR" dirty="0"/>
+          </a:p>
+          <a:p>
+            <a:pPr marL="0" indent="0">
+              <a:buNone/>
+            </a:pPr>
+            <a:endParaRPr lang="tr-TR" dirty="0"/>
+          </a:p>
+          <a:p>
+            <a:endParaRPr lang="tr-TR" dirty="0"/>
           </a:p>
         </p:txBody>
       </p:sp>
       <p:pic>
         <p:nvPicPr>
-          <p:cNvPr id="5122" name="Picture 2">
-            <a:extLst>
-              <a:ext uri="{FF2B5EF4-FFF2-40B4-BE49-F238E27FC236}">
-                <a16:creationId xmlns:a16="http://schemas.microsoft.com/office/drawing/2014/main" id="{EFEA1AF3-3B9B-4B17-87A9-957E53501AEF}"/>
+          <p:cNvPr id="7" name="Picture 6" descr="A screenshot of a computer&#10;&#10;Description automatically generated">
+            <a:extLst>
+              <a:ext uri="{FF2B5EF4-FFF2-40B4-BE49-F238E27FC236}">
+                <a16:creationId xmlns:a16="http://schemas.microsoft.com/office/drawing/2014/main" id="{D6CD08B1-4BFB-4943-B8E0-DA407BB57D81}"/>
               </a:ext>
             </a:extLst>
           </p:cNvPr>
           <p:cNvPicPr>
-            <a:picLocks noGrp="1" noChangeAspect="1" noChangeArrowheads="1"/>
+            <a:picLocks noChangeAspect="1"/>
           </p:cNvPicPr>
-          <p:nvPr>
-            <p:ph idx="1"/>
-          </p:nvPr>
+          <p:nvPr/>
         </p:nvPicPr>
         <p:blipFill>
-          <a:blip r:embed="rId2">
-            <a:extLst>
-              <a:ext uri="{28A0092B-C50C-407E-A947-70E740481C1C}">
-                <a14:useLocalDpi xmlns:a14="http://schemas.microsoft.com/office/drawing/2010/main" val="0"/>
-              </a:ext>
-            </a:extLst>
-          </a:blip>
-          <a:srcRect/>
+          <a:blip r:embed="rId3"/>
           <a:stretch>
             <a:fillRect/>
           </a:stretch>
         </p:blipFill>
-        <p:spPr bwMode="auto">
+        <p:spPr>
           <a:xfrm>
-            <a:off x="1869363" y="2073165"/>
-            <a:ext cx="8041892" cy="4253563"/>
+            <a:off x="3342288" y="2978189"/>
+            <a:ext cx="6537435" cy="3198774"/>
           </a:xfrm>
           <a:prstGeom prst="rect">
             <a:avLst/>
           </a:prstGeom>
-          <a:noFill/>
-          <a:extLst>
-            <a:ext uri="{909E8E84-426E-40DD-AFC4-6F175D3DCCD1}">
-              <a14:hiddenFill xmlns:a14="http://schemas.microsoft.com/office/drawing/2010/main">
-                <a:solidFill>
-                  <a:srgbClr val="FFFFFF"/>
-                </a:solidFill>
-              </a14:hiddenFill>
-            </a:ext>
-          </a:extLst>
         </p:spPr>
       </p:pic>
     </p:spTree>
     <p:extLst>
       <p:ext uri="{BB962C8B-B14F-4D97-AF65-F5344CB8AC3E}">
-        <p14:creationId xmlns:p14="http://schemas.microsoft.com/office/powerpoint/2010/main" val="1428881086"/>
+        <p14:creationId xmlns:p14="http://schemas.microsoft.com/office/powerpoint/2010/main" val="2331502933"/>
       </p:ext>
     </p:extLst>
   </p:cSld>
@@ -7985,6 +8018,14 @@
 <file path=ppt/slides/slide18.xml><?xml version="1.0" encoding="utf-8"?>
 <p:sld xmlns:a="http://schemas.openxmlformats.org/drawingml/2006/main" xmlns:r="http://schemas.openxmlformats.org/officeDocument/2006/relationships" xmlns:p="http://schemas.openxmlformats.org/presentationml/2006/main">
   <p:cSld>
+    <p:bg>
+      <p:bgPr>
+        <a:solidFill>
+          <a:schemeClr val="bg1"/>
+        </a:solidFill>
+        <a:effectLst/>
+      </p:bgPr>
+    </p:bg>
     <p:spTree>
       <p:nvGrpSpPr>
         <p:cNvPr id="1" name=""/>
@@ -7999,12 +8040,72 @@
           <a:chExt cx="0" cy="0"/>
         </a:xfrm>
       </p:grpSpPr>
+      <p:sp useBgFill="1">
+        <p:nvSpPr>
+          <p:cNvPr id="71" name="Rectangle 70">
+            <a:extLst>
+              <a:ext uri="{FF2B5EF4-FFF2-40B4-BE49-F238E27FC236}">
+                <a16:creationId xmlns:a16="http://schemas.microsoft.com/office/drawing/2014/main" id="{2B97F24A-32CE-4C1C-A50D-3016B394DCFB}"/>
+              </a:ext>
+              <a:ext uri="{C183D7F6-B498-43B3-948B-1728B52AA6E4}">
+                <adec:decorative xmlns:adec="http://schemas.microsoft.com/office/drawing/2017/decorative" val="1"/>
+              </a:ext>
+            </a:extLst>
+          </p:cNvPr>
+          <p:cNvSpPr>
+            <a:spLocks noGrp="1" noRot="1" noChangeAspect="1" noMove="1" noResize="1" noEditPoints="1" noAdjustHandles="1" noChangeArrowheads="1" noChangeShapeType="1" noTextEdit="1"/>
+          </p:cNvSpPr>
+          <p:nvPr>
+            <p:extLst>
+              <p:ext uri="{386F3935-93C4-4BCD-93E2-E3B085C9AB24}">
+                <p16:designElem xmlns:p16="http://schemas.microsoft.com/office/powerpoint/2015/main" val="1"/>
+              </p:ext>
+            </p:extLst>
+          </p:nvPr>
+        </p:nvSpPr>
+        <p:spPr>
+          <a:xfrm>
+            <a:off x="0" y="0"/>
+            <a:ext cx="12192000" cy="6858000"/>
+          </a:xfrm>
+          <a:prstGeom prst="rect">
+            <a:avLst/>
+          </a:prstGeom>
+          <a:ln>
+            <a:noFill/>
+          </a:ln>
+        </p:spPr>
+        <p:style>
+          <a:lnRef idx="2">
+            <a:schemeClr val="accent1">
+              <a:shade val="50000"/>
+            </a:schemeClr>
+          </a:lnRef>
+          <a:fillRef idx="1">
+            <a:schemeClr val="accent1"/>
+          </a:fillRef>
+          <a:effectRef idx="0">
+            <a:schemeClr val="accent1"/>
+          </a:effectRef>
+          <a:fontRef idx="minor">
+            <a:schemeClr val="lt1"/>
+          </a:fontRef>
+        </p:style>
+        <p:txBody>
+          <a:bodyPr rtlCol="0" anchor="ctr"/>
+          <a:lstStyle/>
+          <a:p>
+            <a:pPr algn="ctr"/>
+            <a:endParaRPr lang="en-US"/>
+          </a:p>
+        </p:txBody>
+      </p:sp>
       <p:sp>
         <p:nvSpPr>
           <p:cNvPr id="2" name="Title 1">
             <a:extLst>
               <a:ext uri="{FF2B5EF4-FFF2-40B4-BE49-F238E27FC236}">
-                <a16:creationId xmlns:a16="http://schemas.microsoft.com/office/drawing/2014/main" id="{F52B2B23-F54D-46E1-AE70-4313A651DC12}"/>
+                <a16:creationId xmlns:a16="http://schemas.microsoft.com/office/drawing/2014/main" id="{D31A31FF-6ECE-473C-ADDE-5B836FD465EA}"/>
               </a:ext>
             </a:extLst>
           </p:cNvPr>
@@ -8015,34 +8116,497 @@
             <p:ph type="title"/>
           </p:nvPr>
         </p:nvSpPr>
-        <p:spPr/>
-        <p:txBody>
-          <a:bodyPr/>
+        <p:spPr>
+          <a:xfrm>
+            <a:off x="630936" y="639520"/>
+            <a:ext cx="3429000" cy="1719072"/>
+          </a:xfrm>
+        </p:spPr>
+        <p:txBody>
+          <a:bodyPr anchor="b">
+            <a:normAutofit/>
+          </a:bodyPr>
           <a:lstStyle/>
           <a:p>
             <a:r>
-              <a:rPr lang="tr-TR" dirty="0"/>
-              <a:t>Tuş Takımı Uygulaması</a:t>
-            </a:r>
-            <a:endParaRPr lang="en-US" dirty="0"/>
+              <a:rPr lang="tr-TR" sz="3800" dirty="0"/>
+              <a:t>IR Remote Kütüphanesini Ekleme</a:t>
+            </a:r>
+            <a:endParaRPr lang="en-US" sz="3800" dirty="0"/>
+          </a:p>
+        </p:txBody>
+      </p:sp>
+      <p:sp>
+        <p:nvSpPr>
+          <p:cNvPr id="73" name="sketch line">
+            <a:extLst>
+              <a:ext uri="{FF2B5EF4-FFF2-40B4-BE49-F238E27FC236}">
+                <a16:creationId xmlns:a16="http://schemas.microsoft.com/office/drawing/2014/main" id="{CD8B4F24-440B-49E9-B85D-733523DC064B}"/>
+              </a:ext>
+              <a:ext uri="{C183D7F6-B498-43B3-948B-1728B52AA6E4}">
+                <adec:decorative xmlns:adec="http://schemas.microsoft.com/office/drawing/2017/decorative" val="1"/>
+              </a:ext>
+            </a:extLst>
+          </p:cNvPr>
+          <p:cNvSpPr>
+            <a:spLocks noGrp="1" noRot="1" noChangeAspect="1" noMove="1" noResize="1" noEditPoints="1" noAdjustHandles="1" noChangeArrowheads="1" noChangeShapeType="1" noTextEdit="1"/>
+          </p:cNvSpPr>
+          <p:nvPr>
+            <p:extLst>
+              <p:ext uri="{386F3935-93C4-4BCD-93E2-E3B085C9AB24}">
+                <p16:designElem xmlns:p16="http://schemas.microsoft.com/office/powerpoint/2015/main" val="1"/>
+              </p:ext>
+            </p:extLst>
+          </p:nvPr>
+        </p:nvSpPr>
+        <p:spPr>
+          <a:xfrm>
+            <a:off x="643278" y="2573756"/>
+            <a:ext cx="3255095" cy="18288"/>
+          </a:xfrm>
+          <a:custGeom>
+            <a:avLst/>
+            <a:gdLst>
+              <a:gd name="connsiteX0" fmla="*/ 0 w 3255095"/>
+              <a:gd name="connsiteY0" fmla="*/ 0 h 18288"/>
+              <a:gd name="connsiteX1" fmla="*/ 618468 w 3255095"/>
+              <a:gd name="connsiteY1" fmla="*/ 0 h 18288"/>
+              <a:gd name="connsiteX2" fmla="*/ 1269487 w 3255095"/>
+              <a:gd name="connsiteY2" fmla="*/ 0 h 18288"/>
+              <a:gd name="connsiteX3" fmla="*/ 1953057 w 3255095"/>
+              <a:gd name="connsiteY3" fmla="*/ 0 h 18288"/>
+              <a:gd name="connsiteX4" fmla="*/ 2636627 w 3255095"/>
+              <a:gd name="connsiteY4" fmla="*/ 0 h 18288"/>
+              <a:gd name="connsiteX5" fmla="*/ 3255095 w 3255095"/>
+              <a:gd name="connsiteY5" fmla="*/ 0 h 18288"/>
+              <a:gd name="connsiteX6" fmla="*/ 3255095 w 3255095"/>
+              <a:gd name="connsiteY6" fmla="*/ 18288 h 18288"/>
+              <a:gd name="connsiteX7" fmla="*/ 2538974 w 3255095"/>
+              <a:gd name="connsiteY7" fmla="*/ 18288 h 18288"/>
+              <a:gd name="connsiteX8" fmla="*/ 1822853 w 3255095"/>
+              <a:gd name="connsiteY8" fmla="*/ 18288 h 18288"/>
+              <a:gd name="connsiteX9" fmla="*/ 1171834 w 3255095"/>
+              <a:gd name="connsiteY9" fmla="*/ 18288 h 18288"/>
+              <a:gd name="connsiteX10" fmla="*/ 0 w 3255095"/>
+              <a:gd name="connsiteY10" fmla="*/ 18288 h 18288"/>
+              <a:gd name="connsiteX11" fmla="*/ 0 w 3255095"/>
+              <a:gd name="connsiteY11" fmla="*/ 0 h 18288"/>
+            </a:gdLst>
+            <a:ahLst/>
+            <a:cxnLst>
+              <a:cxn ang="0">
+                <a:pos x="connsiteX0" y="connsiteY0"/>
+              </a:cxn>
+              <a:cxn ang="0">
+                <a:pos x="connsiteX1" y="connsiteY1"/>
+              </a:cxn>
+              <a:cxn ang="0">
+                <a:pos x="connsiteX2" y="connsiteY2"/>
+              </a:cxn>
+              <a:cxn ang="0">
+                <a:pos x="connsiteX3" y="connsiteY3"/>
+              </a:cxn>
+              <a:cxn ang="0">
+                <a:pos x="connsiteX4" y="connsiteY4"/>
+              </a:cxn>
+              <a:cxn ang="0">
+                <a:pos x="connsiteX5" y="connsiteY5"/>
+              </a:cxn>
+              <a:cxn ang="0">
+                <a:pos x="connsiteX6" y="connsiteY6"/>
+              </a:cxn>
+              <a:cxn ang="0">
+                <a:pos x="connsiteX7" y="connsiteY7"/>
+              </a:cxn>
+              <a:cxn ang="0">
+                <a:pos x="connsiteX8" y="connsiteY8"/>
+              </a:cxn>
+              <a:cxn ang="0">
+                <a:pos x="connsiteX9" y="connsiteY9"/>
+              </a:cxn>
+              <a:cxn ang="0">
+                <a:pos x="connsiteX10" y="connsiteY10"/>
+              </a:cxn>
+              <a:cxn ang="0">
+                <a:pos x="connsiteX11" y="connsiteY11"/>
+              </a:cxn>
+            </a:cxnLst>
+            <a:rect l="l" t="t" r="r" b="b"/>
+            <a:pathLst>
+              <a:path w="3255095" h="18288" fill="none" extrusionOk="0">
+                <a:moveTo>
+                  <a:pt x="0" y="0"/>
+                </a:moveTo>
+                <a:cubicBezTo>
+                  <a:pt x="240201" y="-22123"/>
+                  <a:pt x="462021" y="-19623"/>
+                  <a:pt x="618468" y="0"/>
+                </a:cubicBezTo>
+                <a:cubicBezTo>
+                  <a:pt x="774915" y="19623"/>
+                  <a:pt x="974734" y="2035"/>
+                  <a:pt x="1269487" y="0"/>
+                </a:cubicBezTo>
+                <a:cubicBezTo>
+                  <a:pt x="1564240" y="-2035"/>
+                  <a:pt x="1733579" y="10639"/>
+                  <a:pt x="1953057" y="0"/>
+                </a:cubicBezTo>
+                <a:cubicBezTo>
+                  <a:pt x="2172535" y="-10639"/>
+                  <a:pt x="2453962" y="14018"/>
+                  <a:pt x="2636627" y="0"/>
+                </a:cubicBezTo>
+                <a:cubicBezTo>
+                  <a:pt x="2819292" y="-14018"/>
+                  <a:pt x="3121375" y="5399"/>
+                  <a:pt x="3255095" y="0"/>
+                </a:cubicBezTo>
+                <a:cubicBezTo>
+                  <a:pt x="3254386" y="8157"/>
+                  <a:pt x="3254682" y="12125"/>
+                  <a:pt x="3255095" y="18288"/>
+                </a:cubicBezTo>
+                <a:cubicBezTo>
+                  <a:pt x="3088545" y="23203"/>
+                  <a:pt x="2687475" y="7419"/>
+                  <a:pt x="2538974" y="18288"/>
+                </a:cubicBezTo>
+                <a:cubicBezTo>
+                  <a:pt x="2390473" y="29157"/>
+                  <a:pt x="2137381" y="-8959"/>
+                  <a:pt x="1822853" y="18288"/>
+                </a:cubicBezTo>
+                <a:cubicBezTo>
+                  <a:pt x="1508325" y="45535"/>
+                  <a:pt x="1466437" y="20385"/>
+                  <a:pt x="1171834" y="18288"/>
+                </a:cubicBezTo>
+                <a:cubicBezTo>
+                  <a:pt x="877231" y="16191"/>
+                  <a:pt x="561097" y="37643"/>
+                  <a:pt x="0" y="18288"/>
+                </a:cubicBezTo>
+                <a:cubicBezTo>
+                  <a:pt x="-46" y="12483"/>
+                  <a:pt x="-203" y="6491"/>
+                  <a:pt x="0" y="0"/>
+                </a:cubicBezTo>
+                <a:close/>
+              </a:path>
+              <a:path w="3255095" h="18288" stroke="0" extrusionOk="0">
+                <a:moveTo>
+                  <a:pt x="0" y="0"/>
+                </a:moveTo>
+                <a:cubicBezTo>
+                  <a:pt x="291965" y="19429"/>
+                  <a:pt x="363155" y="8568"/>
+                  <a:pt x="618468" y="0"/>
+                </a:cubicBezTo>
+                <a:cubicBezTo>
+                  <a:pt x="873781" y="-8568"/>
+                  <a:pt x="904459" y="-19505"/>
+                  <a:pt x="1171834" y="0"/>
+                </a:cubicBezTo>
+                <a:cubicBezTo>
+                  <a:pt x="1439209" y="19505"/>
+                  <a:pt x="1744369" y="9790"/>
+                  <a:pt x="1887955" y="0"/>
+                </a:cubicBezTo>
+                <a:cubicBezTo>
+                  <a:pt x="2031541" y="-9790"/>
+                  <a:pt x="2346378" y="21240"/>
+                  <a:pt x="2506423" y="0"/>
+                </a:cubicBezTo>
+                <a:cubicBezTo>
+                  <a:pt x="2666468" y="-21240"/>
+                  <a:pt x="2990257" y="30414"/>
+                  <a:pt x="3255095" y="0"/>
+                </a:cubicBezTo>
+                <a:cubicBezTo>
+                  <a:pt x="3254831" y="4493"/>
+                  <a:pt x="3255479" y="9472"/>
+                  <a:pt x="3255095" y="18288"/>
+                </a:cubicBezTo>
+                <a:cubicBezTo>
+                  <a:pt x="3120743" y="16690"/>
+                  <a:pt x="2759628" y="42462"/>
+                  <a:pt x="2604076" y="18288"/>
+                </a:cubicBezTo>
+                <a:cubicBezTo>
+                  <a:pt x="2448524" y="-5886"/>
+                  <a:pt x="2184336" y="19599"/>
+                  <a:pt x="1887955" y="18288"/>
+                </a:cubicBezTo>
+                <a:cubicBezTo>
+                  <a:pt x="1591574" y="16977"/>
+                  <a:pt x="1548845" y="6870"/>
+                  <a:pt x="1334589" y="18288"/>
+                </a:cubicBezTo>
+                <a:cubicBezTo>
+                  <a:pt x="1120333" y="29706"/>
+                  <a:pt x="996014" y="9662"/>
+                  <a:pt x="683570" y="18288"/>
+                </a:cubicBezTo>
+                <a:cubicBezTo>
+                  <a:pt x="371126" y="26914"/>
+                  <a:pt x="198687" y="16167"/>
+                  <a:pt x="0" y="18288"/>
+                </a:cubicBezTo>
+                <a:cubicBezTo>
+                  <a:pt x="843" y="9577"/>
+                  <a:pt x="371" y="6900"/>
+                  <a:pt x="0" y="0"/>
+                </a:cubicBezTo>
+                <a:close/>
+              </a:path>
+            </a:pathLst>
+          </a:custGeom>
+          <a:solidFill>
+            <a:schemeClr val="accent2"/>
+          </a:solidFill>
+          <a:ln w="38100" cap="rnd">
+            <a:solidFill>
+              <a:schemeClr val="accent2"/>
+            </a:solidFill>
+            <a:round/>
+            <a:extLst>
+              <a:ext uri="{C807C97D-BFC1-408E-A445-0C87EB9F89A2}">
+                <ask:lineSketchStyleProps xmlns:ask="http://schemas.microsoft.com/office/drawing/2018/sketchyshapes" sd="1219033472">
+                  <a:prstGeom prst="rect">
+                    <a:avLst/>
+                  </a:prstGeom>
+                  <ask:type>
+                    <ask:lineSketchFreehand/>
+                  </ask:type>
+                </ask:lineSketchStyleProps>
+              </a:ext>
+            </a:extLst>
+          </a:ln>
+        </p:spPr>
+        <p:style>
+          <a:lnRef idx="2">
+            <a:schemeClr val="accent1">
+              <a:shade val="50000"/>
+            </a:schemeClr>
+          </a:lnRef>
+          <a:fillRef idx="1">
+            <a:schemeClr val="accent1"/>
+          </a:fillRef>
+          <a:effectRef idx="0">
+            <a:schemeClr val="accent1"/>
+          </a:effectRef>
+          <a:fontRef idx="minor">
+            <a:schemeClr val="lt1"/>
+          </a:fontRef>
+        </p:style>
+        <p:txBody>
+          <a:bodyPr rtlCol="0" anchor="ctr"/>
+          <a:lstStyle/>
+          <a:p>
+            <a:pPr algn="ctr"/>
+            <a:endParaRPr lang="en-US"/>
+          </a:p>
+        </p:txBody>
+      </p:sp>
+      <p:sp>
+        <p:nvSpPr>
+          <p:cNvPr id="3" name="Content Placeholder 2">
+            <a:extLst>
+              <a:ext uri="{FF2B5EF4-FFF2-40B4-BE49-F238E27FC236}">
+                <a16:creationId xmlns:a16="http://schemas.microsoft.com/office/drawing/2014/main" id="{E2A439A3-501F-4E6B-BDBC-76FEEC777A94}"/>
+              </a:ext>
+            </a:extLst>
+          </p:cNvPr>
+          <p:cNvSpPr>
+            <a:spLocks noGrp="1"/>
+          </p:cNvSpPr>
+          <p:nvPr>
+            <p:ph idx="1"/>
+          </p:nvPr>
+        </p:nvSpPr>
+        <p:spPr>
+          <a:xfrm>
+            <a:off x="630936" y="2807208"/>
+            <a:ext cx="3429000" cy="3410712"/>
+          </a:xfrm>
+        </p:spPr>
+        <p:txBody>
+          <a:bodyPr anchor="t">
+            <a:normAutofit/>
+          </a:bodyPr>
+          <a:lstStyle/>
+          <a:p>
+            <a:r>
+              <a:rPr lang="en-US" sz="2200" dirty="0" err="1"/>
+              <a:t>İndirme</a:t>
+            </a:r>
+            <a:r>
+              <a:rPr lang="en-US" sz="2200" dirty="0"/>
+              <a:t> </a:t>
+            </a:r>
+            <a:r>
+              <a:rPr lang="en-US" sz="2200" dirty="0" err="1"/>
+              <a:t>işlemi</a:t>
+            </a:r>
+            <a:r>
+              <a:rPr lang="en-US" sz="2200" dirty="0"/>
+              <a:t> </a:t>
+            </a:r>
+            <a:r>
+              <a:rPr lang="en-US" sz="2200" dirty="0" err="1"/>
+              <a:t>tamamlandıktan</a:t>
+            </a:r>
+            <a:r>
+              <a:rPr lang="en-US" sz="2200" dirty="0"/>
+              <a:t> </a:t>
+            </a:r>
+            <a:r>
+              <a:rPr lang="en-US" sz="2200" dirty="0" err="1"/>
+              <a:t>sonra</a:t>
+            </a:r>
+            <a:r>
+              <a:rPr lang="en-US" sz="2200" dirty="0"/>
+              <a:t> ‘</a:t>
+            </a:r>
+            <a:r>
+              <a:rPr lang="en-US" sz="2200" dirty="0" err="1"/>
+              <a:t>Taslak</a:t>
+            </a:r>
+            <a:r>
+              <a:rPr lang="en-US" sz="2200" dirty="0"/>
+              <a:t>’ </a:t>
+            </a:r>
+            <a:r>
+              <a:rPr lang="en-US" sz="2200" dirty="0" err="1"/>
+              <a:t>seçilir</a:t>
+            </a:r>
+            <a:r>
+              <a:rPr lang="en-US" sz="2200" dirty="0"/>
+              <a:t> </a:t>
+            </a:r>
+            <a:r>
+              <a:rPr lang="en-US" sz="2200" dirty="0" err="1"/>
+              <a:t>sonrasında</a:t>
+            </a:r>
+            <a:r>
+              <a:rPr lang="en-US" sz="2200" dirty="0"/>
+              <a:t> ‘library </a:t>
+            </a:r>
+            <a:r>
+              <a:rPr lang="en-US" sz="2200" dirty="0" err="1"/>
+              <a:t>ekle</a:t>
+            </a:r>
+            <a:r>
+              <a:rPr lang="en-US" sz="2200" dirty="0"/>
+              <a:t>’ </a:t>
+            </a:r>
+            <a:r>
+              <a:rPr lang="en-US" sz="2200" dirty="0" err="1"/>
+              <a:t>ve</a:t>
+            </a:r>
+            <a:r>
+              <a:rPr lang="en-US" sz="2200" dirty="0"/>
+              <a:t> </a:t>
+            </a:r>
+            <a:r>
+              <a:rPr lang="en-US" sz="2200" dirty="0" err="1"/>
+              <a:t>ardından</a:t>
+            </a:r>
+            <a:r>
+              <a:rPr lang="en-US" sz="2200" dirty="0"/>
+              <a:t> ’.ZIP </a:t>
+            </a:r>
+            <a:r>
+              <a:rPr lang="en-US" sz="2200" dirty="0" err="1"/>
+              <a:t>Kitaplığı</a:t>
+            </a:r>
+            <a:r>
+              <a:rPr lang="en-US" sz="2200" dirty="0"/>
+              <a:t> </a:t>
+            </a:r>
+            <a:r>
+              <a:rPr lang="en-US" sz="2200" dirty="0" err="1"/>
+              <a:t>Ekle</a:t>
+            </a:r>
+            <a:r>
+              <a:rPr lang="en-US" sz="2200" dirty="0"/>
+              <a:t>’ </a:t>
+            </a:r>
+            <a:r>
+              <a:rPr lang="en-US" sz="2200" dirty="0" err="1"/>
+              <a:t>seçeneği</a:t>
+            </a:r>
+            <a:r>
+              <a:rPr lang="en-US" sz="2200" dirty="0"/>
+              <a:t> </a:t>
+            </a:r>
+            <a:r>
+              <a:rPr lang="en-US" sz="2200" dirty="0" err="1"/>
+              <a:t>seçilir</a:t>
+            </a:r>
+            <a:r>
+              <a:rPr lang="en-US" sz="2200" dirty="0"/>
+              <a:t> </a:t>
+            </a:r>
+            <a:r>
+              <a:rPr lang="en-US" sz="2200" dirty="0" err="1"/>
+              <a:t>ve</a:t>
+            </a:r>
+            <a:r>
+              <a:rPr lang="en-US" sz="2200" dirty="0"/>
+              <a:t> </a:t>
+            </a:r>
+            <a:r>
+              <a:rPr lang="en-US" sz="2200" dirty="0" err="1"/>
+              <a:t>kurulum</a:t>
+            </a:r>
+            <a:r>
+              <a:rPr lang="en-US" sz="2200" dirty="0"/>
+              <a:t> </a:t>
+            </a:r>
+            <a:r>
+              <a:rPr lang="en-US" sz="2200" dirty="0" err="1"/>
+              <a:t>işlemi</a:t>
+            </a:r>
+            <a:r>
+              <a:rPr lang="en-US" sz="2200" dirty="0"/>
+              <a:t> </a:t>
+            </a:r>
+            <a:r>
+              <a:rPr lang="en-US" sz="2200" dirty="0" err="1"/>
+              <a:t>tamamlanır</a:t>
+            </a:r>
+            <a:r>
+              <a:rPr lang="en-US" sz="2200" dirty="0"/>
+              <a:t>.</a:t>
+            </a:r>
+            <a:endParaRPr lang="tr-TR" sz="2200" dirty="0"/>
+          </a:p>
+          <a:p>
+            <a:endParaRPr lang="tr-TR" sz="2200" dirty="0"/>
+          </a:p>
+          <a:p>
+            <a:pPr marL="0" indent="0">
+              <a:buNone/>
+            </a:pPr>
+            <a:endParaRPr lang="en-US" sz="2200" dirty="0"/>
           </a:p>
         </p:txBody>
       </p:sp>
       <p:pic>
         <p:nvPicPr>
-          <p:cNvPr id="6146" name="Picture 2">
-            <a:extLst>
-              <a:ext uri="{FF2B5EF4-FFF2-40B4-BE49-F238E27FC236}">
-                <a16:creationId xmlns:a16="http://schemas.microsoft.com/office/drawing/2014/main" id="{EDDD016F-FC7B-48AF-8735-250092AF4225}"/>
+          <p:cNvPr id="1026" name="Picture 2">
+            <a:extLst>
+              <a:ext uri="{FF2B5EF4-FFF2-40B4-BE49-F238E27FC236}">
+                <a16:creationId xmlns:a16="http://schemas.microsoft.com/office/drawing/2014/main" id="{8682C24E-79DE-40BA-9A35-AB8336C56FC2}"/>
               </a:ext>
             </a:extLst>
           </p:cNvPr>
           <p:cNvPicPr>
-            <a:picLocks noGrp="1" noChangeAspect="1" noChangeArrowheads="1"/>
+            <a:picLocks noChangeAspect="1" noChangeArrowheads="1"/>
           </p:cNvPicPr>
-          <p:nvPr>
-            <p:ph sz="half" idx="1"/>
-          </p:nvPr>
+          <p:nvPr/>
         </p:nvPicPr>
         <p:blipFill>
           <a:blip r:embed="rId2">
@@ -8052,15 +8616,14 @@
               </a:ext>
             </a:extLst>
           </a:blip>
-          <a:srcRect/>
           <a:stretch>
             <a:fillRect/>
           </a:stretch>
         </p:blipFill>
         <p:spPr bwMode="auto">
           <a:xfrm>
-            <a:off x="2047875" y="2210594"/>
-            <a:ext cx="2762250" cy="3581400"/>
+            <a:off x="5352098" y="640080"/>
+            <a:ext cx="5508116" cy="5577840"/>
           </a:xfrm>
           <a:prstGeom prst="rect">
             <a:avLst/>
@@ -8077,59 +8640,10 @@
           </a:extLst>
         </p:spPr>
       </p:pic>
-      <p:pic>
-        <p:nvPicPr>
-          <p:cNvPr id="6148" name="Picture 4">
-            <a:extLst>
-              <a:ext uri="{FF2B5EF4-FFF2-40B4-BE49-F238E27FC236}">
-                <a16:creationId xmlns:a16="http://schemas.microsoft.com/office/drawing/2014/main" id="{5909FF5D-9D19-4A05-B15B-FEC01BF3EE30}"/>
-              </a:ext>
-            </a:extLst>
-          </p:cNvPr>
-          <p:cNvPicPr>
-            <a:picLocks noGrp="1" noChangeAspect="1" noChangeArrowheads="1"/>
-          </p:cNvPicPr>
-          <p:nvPr>
-            <p:ph sz="half" idx="2"/>
-          </p:nvPr>
-        </p:nvPicPr>
-        <p:blipFill>
-          <a:blip r:embed="rId3">
-            <a:extLst>
-              <a:ext uri="{28A0092B-C50C-407E-A947-70E740481C1C}">
-                <a14:useLocalDpi xmlns:a14="http://schemas.microsoft.com/office/drawing/2010/main" val="0"/>
-              </a:ext>
-            </a:extLst>
-          </a:blip>
-          <a:srcRect/>
-          <a:stretch>
-            <a:fillRect/>
-          </a:stretch>
-        </p:blipFill>
-        <p:spPr bwMode="auto">
-          <a:xfrm>
-            <a:off x="7572375" y="1939131"/>
-            <a:ext cx="2381250" cy="4124325"/>
-          </a:xfrm>
-          <a:prstGeom prst="rect">
-            <a:avLst/>
-          </a:prstGeom>
-          <a:noFill/>
-          <a:extLst>
-            <a:ext uri="{909E8E84-426E-40DD-AFC4-6F175D3DCCD1}">
-              <a14:hiddenFill xmlns:a14="http://schemas.microsoft.com/office/drawing/2010/main">
-                <a:solidFill>
-                  <a:srgbClr val="FFFFFF"/>
-                </a:solidFill>
-              </a14:hiddenFill>
-            </a:ext>
-          </a:extLst>
-        </p:spPr>
-      </p:pic>
     </p:spTree>
     <p:extLst>
       <p:ext uri="{BB962C8B-B14F-4D97-AF65-F5344CB8AC3E}">
-        <p14:creationId xmlns:p14="http://schemas.microsoft.com/office/powerpoint/2010/main" val="3972418040"/>
+        <p14:creationId xmlns:p14="http://schemas.microsoft.com/office/powerpoint/2010/main" val="3847434579"/>
       </p:ext>
     </p:extLst>
   </p:cSld>
@@ -8158,10 +8672,10 @@
       </p:grpSpPr>
       <p:sp>
         <p:nvSpPr>
-          <p:cNvPr id="5" name="Title 4">
-            <a:extLst>
-              <a:ext uri="{FF2B5EF4-FFF2-40B4-BE49-F238E27FC236}">
-                <a16:creationId xmlns:a16="http://schemas.microsoft.com/office/drawing/2014/main" id="{5D863546-B90C-4378-9628-C9C095A96819}"/>
+          <p:cNvPr id="4" name="Title 3">
+            <a:extLst>
+              <a:ext uri="{FF2B5EF4-FFF2-40B4-BE49-F238E27FC236}">
+                <a16:creationId xmlns:a16="http://schemas.microsoft.com/office/drawing/2014/main" id="{1E561CA5-E82F-49A2-BB1B-DF04E8F5C0E4}"/>
               </a:ext>
             </a:extLst>
           </p:cNvPr>
@@ -8178,32 +8692,8 @@
           <a:lstStyle/>
           <a:p>
             <a:r>
-              <a:rPr lang="en-US" dirty="0" err="1"/>
-              <a:t>Tuş</a:t>
-            </a:r>
-            <a:r>
-              <a:rPr lang="en-US" dirty="0"/>
-              <a:t> </a:t>
-            </a:r>
-            <a:r>
-              <a:rPr lang="en-US" dirty="0" err="1"/>
-              <a:t>Takımı</a:t>
-            </a:r>
-            <a:r>
-              <a:rPr lang="en-US" dirty="0"/>
-              <a:t> </a:t>
-            </a:r>
-            <a:r>
-              <a:rPr lang="en-US" dirty="0" err="1"/>
-              <a:t>Kitaplığını</a:t>
-            </a:r>
-            <a:r>
-              <a:rPr lang="en-US" dirty="0"/>
-              <a:t> </a:t>
-            </a:r>
-            <a:r>
-              <a:rPr lang="en-US" dirty="0" err="1"/>
-              <a:t>Yükleme</a:t>
+              <a:rPr lang="tr-TR" dirty="0"/>
+              <a:t>Devre Şeması</a:t>
             </a:r>
             <a:endParaRPr lang="en-US" dirty="0"/>
           </a:p>
@@ -8211,10 +8701,10 @@
       </p:sp>
       <p:pic>
         <p:nvPicPr>
-          <p:cNvPr id="7170" name="Picture 2">
-            <a:extLst>
-              <a:ext uri="{FF2B5EF4-FFF2-40B4-BE49-F238E27FC236}">
-                <a16:creationId xmlns:a16="http://schemas.microsoft.com/office/drawing/2014/main" id="{9E733C50-7C9C-46CA-B87A-409D614056D5}"/>
+          <p:cNvPr id="5122" name="Picture 2">
+            <a:extLst>
+              <a:ext uri="{FF2B5EF4-FFF2-40B4-BE49-F238E27FC236}">
+                <a16:creationId xmlns:a16="http://schemas.microsoft.com/office/drawing/2014/main" id="{EFEA1AF3-3B9B-4B17-87A9-957E53501AEF}"/>
               </a:ext>
             </a:extLst>
           </p:cNvPr>
@@ -8222,11 +8712,11 @@
             <a:picLocks noGrp="1" noChangeAspect="1" noChangeArrowheads="1"/>
           </p:cNvPicPr>
           <p:nvPr>
-            <p:ph sz="half" idx="1"/>
+            <p:ph idx="1"/>
           </p:nvPr>
         </p:nvPicPr>
         <p:blipFill>
-          <a:blip r:embed="rId3">
+          <a:blip r:embed="rId2">
             <a:extLst>
               <a:ext uri="{28A0092B-C50C-407E-A947-70E740481C1C}">
                 <a14:useLocalDpi xmlns:a14="http://schemas.microsoft.com/office/drawing/2010/main" val="0"/>
@@ -8240,8 +8730,8 @@
         </p:blipFill>
         <p:spPr bwMode="auto">
           <a:xfrm>
-            <a:off x="1269598" y="1825625"/>
-            <a:ext cx="4318804" cy="4351338"/>
+            <a:off x="1869363" y="2073165"/>
+            <a:ext cx="8041892" cy="4253563"/>
           </a:xfrm>
           <a:prstGeom prst="rect">
             <a:avLst/>
@@ -8258,59 +8748,10 @@
           </a:extLst>
         </p:spPr>
       </p:pic>
-      <p:pic>
-        <p:nvPicPr>
-          <p:cNvPr id="7172" name="Picture 4">
-            <a:extLst>
-              <a:ext uri="{FF2B5EF4-FFF2-40B4-BE49-F238E27FC236}">
-                <a16:creationId xmlns:a16="http://schemas.microsoft.com/office/drawing/2014/main" id="{436A5C09-3D31-4D4B-9692-1FA30A3ED48A}"/>
-              </a:ext>
-            </a:extLst>
-          </p:cNvPr>
-          <p:cNvPicPr>
-            <a:picLocks noGrp="1" noChangeAspect="1" noChangeArrowheads="1"/>
-          </p:cNvPicPr>
-          <p:nvPr>
-            <p:ph sz="half" idx="2"/>
-          </p:nvPr>
-        </p:nvPicPr>
-        <p:blipFill>
-          <a:blip r:embed="rId4">
-            <a:extLst>
-              <a:ext uri="{28A0092B-C50C-407E-A947-70E740481C1C}">
-                <a14:useLocalDpi xmlns:a14="http://schemas.microsoft.com/office/drawing/2010/main" val="0"/>
-              </a:ext>
-            </a:extLst>
-          </a:blip>
-          <a:srcRect/>
-          <a:stretch>
-            <a:fillRect/>
-          </a:stretch>
-        </p:blipFill>
-        <p:spPr bwMode="auto">
-          <a:xfrm>
-            <a:off x="6172200" y="2622260"/>
-            <a:ext cx="5181600" cy="2758068"/>
-          </a:xfrm>
-          <a:prstGeom prst="rect">
-            <a:avLst/>
-          </a:prstGeom>
-          <a:noFill/>
-          <a:extLst>
-            <a:ext uri="{909E8E84-426E-40DD-AFC4-6F175D3DCCD1}">
-              <a14:hiddenFill xmlns:a14="http://schemas.microsoft.com/office/drawing/2010/main">
-                <a:solidFill>
-                  <a:srgbClr val="FFFFFF"/>
-                </a:solidFill>
-              </a14:hiddenFill>
-            </a:ext>
-          </a:extLst>
-        </p:spPr>
-      </p:pic>
     </p:spTree>
     <p:extLst>
       <p:ext uri="{BB962C8B-B14F-4D97-AF65-F5344CB8AC3E}">
-        <p14:creationId xmlns:p14="http://schemas.microsoft.com/office/powerpoint/2010/main" val="63020830"/>
+        <p14:creationId xmlns:p14="http://schemas.microsoft.com/office/powerpoint/2010/main" val="1428881086"/>
       </p:ext>
     </p:extLst>
   </p:cSld>
@@ -8476,10 +8917,10 @@
       </p:grpSpPr>
       <p:sp>
         <p:nvSpPr>
-          <p:cNvPr id="5" name="Title 4">
-            <a:extLst>
-              <a:ext uri="{FF2B5EF4-FFF2-40B4-BE49-F238E27FC236}">
-                <a16:creationId xmlns:a16="http://schemas.microsoft.com/office/drawing/2014/main" id="{C2D54EC6-8C9B-4D3D-AF73-0CCF2DF79FAA}"/>
+          <p:cNvPr id="4" name="Title 3">
+            <a:extLst>
+              <a:ext uri="{FF2B5EF4-FFF2-40B4-BE49-F238E27FC236}">
+                <a16:creationId xmlns:a16="http://schemas.microsoft.com/office/drawing/2014/main" id="{A4E183EA-11A1-407B-B920-F490D3D26CD5}"/>
               </a:ext>
             </a:extLst>
           </p:cNvPr>
@@ -8496,66 +8937,42 @@
           <a:lstStyle/>
           <a:p>
             <a:r>
-              <a:rPr lang="en-US"/>
-              <a:t>Devre Şeması</a:t>
+              <a:rPr lang="tr-TR" dirty="0"/>
+              <a:t>Tuş Takımı Uygulaması</a:t>
             </a:r>
             <a:endParaRPr lang="en-US" dirty="0"/>
           </a:p>
         </p:txBody>
       </p:sp>
-      <p:pic>
-        <p:nvPicPr>
-          <p:cNvPr id="8194" name="Picture 2" descr="metin, elektronik eşyalar içeren bir resim&#10;&#10;Açıklama otomatik olarak oluşturuldu">
-            <a:extLst>
-              <a:ext uri="{FF2B5EF4-FFF2-40B4-BE49-F238E27FC236}">
-                <a16:creationId xmlns:a16="http://schemas.microsoft.com/office/drawing/2014/main" id="{F7B99B1C-02C1-415F-976B-9C942C3390D7}"/>
-              </a:ext>
-            </a:extLst>
-          </p:cNvPr>
-          <p:cNvPicPr>
-            <a:picLocks noGrp="1" noChangeAspect="1" noChangeArrowheads="1"/>
-          </p:cNvPicPr>
-          <p:nvPr>
-            <p:ph idx="1"/>
-          </p:nvPr>
-        </p:nvPicPr>
-        <p:blipFill>
-          <a:blip r:embed="rId2">
-            <a:extLst>
-              <a:ext uri="{28A0092B-C50C-407E-A947-70E740481C1C}">
-                <a14:useLocalDpi xmlns:a14="http://schemas.microsoft.com/office/drawing/2010/main" val="0"/>
-              </a:ext>
-            </a:extLst>
-          </a:blip>
-          <a:srcRect/>
-          <a:stretch>
-            <a:fillRect/>
-          </a:stretch>
-        </p:blipFill>
-        <p:spPr bwMode="auto">
-          <a:xfrm>
-            <a:off x="4642964" y="1825625"/>
-            <a:ext cx="2906072" cy="4351338"/>
-          </a:xfrm>
-          <a:prstGeom prst="rect">
-            <a:avLst/>
-          </a:prstGeom>
-          <a:noFill/>
-          <a:extLst>
-            <a:ext uri="{909E8E84-426E-40DD-AFC4-6F175D3DCCD1}">
-              <a14:hiddenFill xmlns:a14="http://schemas.microsoft.com/office/drawing/2010/main">
-                <a:solidFill>
-                  <a:srgbClr val="FFFFFF"/>
-                </a:solidFill>
-              </a14:hiddenFill>
-            </a:ext>
-          </a:extLst>
-        </p:spPr>
-      </p:pic>
+      <p:sp>
+        <p:nvSpPr>
+          <p:cNvPr id="5" name="Text Placeholder 4">
+            <a:extLst>
+              <a:ext uri="{FF2B5EF4-FFF2-40B4-BE49-F238E27FC236}">
+                <a16:creationId xmlns:a16="http://schemas.microsoft.com/office/drawing/2014/main" id="{044770B0-A396-450A-BA32-42053074C157}"/>
+              </a:ext>
+            </a:extLst>
+          </p:cNvPr>
+          <p:cNvSpPr>
+            <a:spLocks noGrp="1"/>
+          </p:cNvSpPr>
+          <p:nvPr>
+            <p:ph type="body" idx="1"/>
+          </p:nvPr>
+        </p:nvSpPr>
+        <p:spPr/>
+        <p:txBody>
+          <a:bodyPr/>
+          <a:lstStyle/>
+          <a:p>
+            <a:endParaRPr lang="en-US"/>
+          </a:p>
+        </p:txBody>
+      </p:sp>
     </p:spTree>
     <p:extLst>
       <p:ext uri="{BB962C8B-B14F-4D97-AF65-F5344CB8AC3E}">
-        <p14:creationId xmlns:p14="http://schemas.microsoft.com/office/powerpoint/2010/main" val="1508212663"/>
+        <p14:creationId xmlns:p14="http://schemas.microsoft.com/office/powerpoint/2010/main" val="2326197169"/>
       </p:ext>
     </p:extLst>
   </p:cSld>
@@ -8584,10 +9001,10 @@
       </p:grpSpPr>
       <p:sp>
         <p:nvSpPr>
-          <p:cNvPr id="4" name="Title 3">
-            <a:extLst>
-              <a:ext uri="{FF2B5EF4-FFF2-40B4-BE49-F238E27FC236}">
-                <a16:creationId xmlns:a16="http://schemas.microsoft.com/office/drawing/2014/main" id="{33CA3D40-DD5E-4706-A879-A54799492363}"/>
+          <p:cNvPr id="2" name="Title 1">
+            <a:extLst>
+              <a:ext uri="{FF2B5EF4-FFF2-40B4-BE49-F238E27FC236}">
+                <a16:creationId xmlns:a16="http://schemas.microsoft.com/office/drawing/2014/main" id="{F52B2B23-F54D-46E1-AE70-4313A651DC12}"/>
               </a:ext>
             </a:extLst>
           </p:cNvPr>
@@ -8604,54 +9021,115 @@
           <a:lstStyle/>
           <a:p>
             <a:r>
-              <a:rPr lang="en-US" dirty="0"/>
-              <a:t>PIR </a:t>
-            </a:r>
-            <a:r>
-              <a:rPr lang="en-US" dirty="0" err="1"/>
-              <a:t>Sensörü</a:t>
-            </a:r>
-            <a:r>
-              <a:rPr lang="en-US" dirty="0"/>
-              <a:t> </a:t>
-            </a:r>
-            <a:r>
-              <a:rPr lang="en-US" dirty="0" err="1"/>
-              <a:t>Uygulaması</a:t>
+              <a:rPr lang="tr-TR" dirty="0"/>
+              <a:t>Tuş Takımı Uygulaması</a:t>
             </a:r>
             <a:endParaRPr lang="en-US" dirty="0"/>
           </a:p>
         </p:txBody>
       </p:sp>
-      <p:sp>
-        <p:nvSpPr>
-          <p:cNvPr id="5" name="Text Placeholder 4">
-            <a:extLst>
-              <a:ext uri="{FF2B5EF4-FFF2-40B4-BE49-F238E27FC236}">
-                <a16:creationId xmlns:a16="http://schemas.microsoft.com/office/drawing/2014/main" id="{FEE32DDE-7188-48CB-BF75-2EB32B136CE0}"/>
-              </a:ext>
-            </a:extLst>
-          </p:cNvPr>
-          <p:cNvSpPr>
-            <a:spLocks noGrp="1"/>
-          </p:cNvSpPr>
-          <p:nvPr>
-            <p:ph type="body" idx="1"/>
-          </p:nvPr>
-        </p:nvSpPr>
-        <p:spPr/>
-        <p:txBody>
-          <a:bodyPr/>
-          <a:lstStyle/>
-          <a:p>
-            <a:endParaRPr lang="en-US"/>
-          </a:p>
-        </p:txBody>
-      </p:sp>
+      <p:pic>
+        <p:nvPicPr>
+          <p:cNvPr id="6146" name="Picture 2">
+            <a:extLst>
+              <a:ext uri="{FF2B5EF4-FFF2-40B4-BE49-F238E27FC236}">
+                <a16:creationId xmlns:a16="http://schemas.microsoft.com/office/drawing/2014/main" id="{EDDD016F-FC7B-48AF-8735-250092AF4225}"/>
+              </a:ext>
+            </a:extLst>
+          </p:cNvPr>
+          <p:cNvPicPr>
+            <a:picLocks noGrp="1" noChangeAspect="1" noChangeArrowheads="1"/>
+          </p:cNvPicPr>
+          <p:nvPr>
+            <p:ph sz="half" idx="1"/>
+          </p:nvPr>
+        </p:nvPicPr>
+        <p:blipFill>
+          <a:blip r:embed="rId2">
+            <a:extLst>
+              <a:ext uri="{28A0092B-C50C-407E-A947-70E740481C1C}">
+                <a14:useLocalDpi xmlns:a14="http://schemas.microsoft.com/office/drawing/2010/main" val="0"/>
+              </a:ext>
+            </a:extLst>
+          </a:blip>
+          <a:srcRect/>
+          <a:stretch>
+            <a:fillRect/>
+          </a:stretch>
+        </p:blipFill>
+        <p:spPr bwMode="auto">
+          <a:xfrm>
+            <a:off x="2047875" y="2210594"/>
+            <a:ext cx="2762250" cy="3581400"/>
+          </a:xfrm>
+          <a:prstGeom prst="rect">
+            <a:avLst/>
+          </a:prstGeom>
+          <a:noFill/>
+          <a:extLst>
+            <a:ext uri="{909E8E84-426E-40DD-AFC4-6F175D3DCCD1}">
+              <a14:hiddenFill xmlns:a14="http://schemas.microsoft.com/office/drawing/2010/main">
+                <a:solidFill>
+                  <a:srgbClr val="FFFFFF"/>
+                </a:solidFill>
+              </a14:hiddenFill>
+            </a:ext>
+          </a:extLst>
+        </p:spPr>
+      </p:pic>
+      <p:pic>
+        <p:nvPicPr>
+          <p:cNvPr id="6148" name="Picture 4">
+            <a:extLst>
+              <a:ext uri="{FF2B5EF4-FFF2-40B4-BE49-F238E27FC236}">
+                <a16:creationId xmlns:a16="http://schemas.microsoft.com/office/drawing/2014/main" id="{5909FF5D-9D19-4A05-B15B-FEC01BF3EE30}"/>
+              </a:ext>
+            </a:extLst>
+          </p:cNvPr>
+          <p:cNvPicPr>
+            <a:picLocks noGrp="1" noChangeAspect="1" noChangeArrowheads="1"/>
+          </p:cNvPicPr>
+          <p:nvPr>
+            <p:ph sz="half" idx="2"/>
+          </p:nvPr>
+        </p:nvPicPr>
+        <p:blipFill>
+          <a:blip r:embed="rId3">
+            <a:extLst>
+              <a:ext uri="{28A0092B-C50C-407E-A947-70E740481C1C}">
+                <a14:useLocalDpi xmlns:a14="http://schemas.microsoft.com/office/drawing/2010/main" val="0"/>
+              </a:ext>
+            </a:extLst>
+          </a:blip>
+          <a:srcRect/>
+          <a:stretch>
+            <a:fillRect/>
+          </a:stretch>
+        </p:blipFill>
+        <p:spPr bwMode="auto">
+          <a:xfrm>
+            <a:off x="7572375" y="1939131"/>
+            <a:ext cx="2381250" cy="4124325"/>
+          </a:xfrm>
+          <a:prstGeom prst="rect">
+            <a:avLst/>
+          </a:prstGeom>
+          <a:noFill/>
+          <a:extLst>
+            <a:ext uri="{909E8E84-426E-40DD-AFC4-6F175D3DCCD1}">
+              <a14:hiddenFill xmlns:a14="http://schemas.microsoft.com/office/drawing/2010/main">
+                <a:solidFill>
+                  <a:srgbClr val="FFFFFF"/>
+                </a:solidFill>
+              </a14:hiddenFill>
+            </a:ext>
+          </a:extLst>
+        </p:spPr>
+      </p:pic>
     </p:spTree>
     <p:extLst>
       <p:ext uri="{BB962C8B-B14F-4D97-AF65-F5344CB8AC3E}">
-        <p14:creationId xmlns:p14="http://schemas.microsoft.com/office/powerpoint/2010/main" val="3187827227"/>
+        <p14:creationId xmlns:p14="http://schemas.microsoft.com/office/powerpoint/2010/main" val="3972418040"/>
       </p:ext>
     </p:extLst>
   </p:cSld>
@@ -8680,10 +9158,10 @@
       </p:grpSpPr>
       <p:sp>
         <p:nvSpPr>
-          <p:cNvPr id="4" name="Title 3">
-            <a:extLst>
-              <a:ext uri="{FF2B5EF4-FFF2-40B4-BE49-F238E27FC236}">
-                <a16:creationId xmlns:a16="http://schemas.microsoft.com/office/drawing/2014/main" id="{BFCFFFD1-94F2-4C8E-B3CE-7F4977EA3DD8}"/>
+          <p:cNvPr id="5" name="Title 4">
+            <a:extLst>
+              <a:ext uri="{FF2B5EF4-FFF2-40B4-BE49-F238E27FC236}">
+                <a16:creationId xmlns:a16="http://schemas.microsoft.com/office/drawing/2014/main" id="{5D863546-B90C-4378-9628-C9C095A96819}"/>
               </a:ext>
             </a:extLst>
           </p:cNvPr>
@@ -8700,12 +9178,16 @@
           <a:lstStyle/>
           <a:p>
             <a:r>
+              <a:rPr lang="en-US" dirty="0" err="1"/>
+              <a:t>Tuş</a:t>
+            </a:r>
+            <a:r>
               <a:rPr lang="en-US" dirty="0"/>
-              <a:t>PIR </a:t>
+              <a:t> </a:t>
             </a:r>
             <a:r>
               <a:rPr lang="en-US" dirty="0" err="1"/>
-              <a:t>Sensörü</a:t>
+              <a:t>Takımı</a:t>
             </a:r>
             <a:r>
               <a:rPr lang="en-US" dirty="0"/>
@@ -8713,665 +9195,122 @@
             </a:r>
             <a:r>
               <a:rPr lang="en-US" dirty="0" err="1"/>
-              <a:t>Nedir</a:t>
+              <a:t>Kitaplığını</a:t>
             </a:r>
             <a:r>
               <a:rPr lang="en-US" dirty="0"/>
-              <a:t>? </a:t>
+              <a:t> </a:t>
             </a:r>
             <a:r>
               <a:rPr lang="en-US" dirty="0" err="1"/>
-              <a:t>Nasıl</a:t>
-            </a:r>
-            <a:r>
-              <a:rPr lang="en-US" dirty="0"/>
-              <a:t> </a:t>
-            </a:r>
-            <a:r>
-              <a:rPr lang="en-US" dirty="0" err="1"/>
-              <a:t>Çalışır</a:t>
-            </a:r>
-            <a:r>
-              <a:rPr lang="en-US" dirty="0"/>
-              <a:t>?</a:t>
-            </a:r>
-            <a:br>
-              <a:rPr lang="en-US" dirty="0"/>
-            </a:br>
+              <a:t>Yükleme</a:t>
+            </a:r>
             <a:endParaRPr lang="en-US" dirty="0"/>
           </a:p>
         </p:txBody>
       </p:sp>
-      <p:sp>
-        <p:nvSpPr>
-          <p:cNvPr id="5" name="Content Placeholder 4">
-            <a:extLst>
-              <a:ext uri="{FF2B5EF4-FFF2-40B4-BE49-F238E27FC236}">
-                <a16:creationId xmlns:a16="http://schemas.microsoft.com/office/drawing/2014/main" id="{45C90BAE-DE7F-4BBC-A94B-6750C3EAEEC1}"/>
-              </a:ext>
-            </a:extLst>
-          </p:cNvPr>
-          <p:cNvSpPr>
-            <a:spLocks noGrp="1"/>
-          </p:cNvSpPr>
-          <p:nvPr>
-            <p:ph idx="1"/>
-          </p:nvPr>
-        </p:nvSpPr>
-        <p:spPr/>
-        <p:txBody>
-          <a:bodyPr>
-            <a:normAutofit lnSpcReduction="10000"/>
-          </a:bodyPr>
-          <a:lstStyle/>
-          <a:p>
-            <a:r>
-              <a:rPr lang="en-US" dirty="0" err="1"/>
-              <a:t>Hareket</a:t>
-            </a:r>
-            <a:r>
-              <a:rPr lang="en-US" dirty="0"/>
-              <a:t> </a:t>
-            </a:r>
-            <a:r>
-              <a:rPr lang="en-US" dirty="0" err="1"/>
-              <a:t>algılamak</a:t>
-            </a:r>
-            <a:r>
-              <a:rPr lang="en-US" dirty="0"/>
-              <a:t> </a:t>
-            </a:r>
-            <a:r>
-              <a:rPr lang="en-US" dirty="0" err="1"/>
-              <a:t>için</a:t>
-            </a:r>
-            <a:r>
-              <a:rPr lang="en-US" dirty="0"/>
-              <a:t> </a:t>
-            </a:r>
-            <a:r>
-              <a:rPr lang="en-US" dirty="0" err="1"/>
-              <a:t>kullanılır</a:t>
-            </a:r>
-            <a:endParaRPr lang="en-US" dirty="0"/>
-          </a:p>
-          <a:p>
-            <a:r>
-              <a:rPr lang="en-US" dirty="0" err="1"/>
-              <a:t>Sensör</a:t>
-            </a:r>
-            <a:r>
-              <a:rPr lang="en-US" dirty="0"/>
-              <a:t> </a:t>
-            </a:r>
-            <a:r>
-              <a:rPr lang="en-US" dirty="0" err="1"/>
-              <a:t>pasif</a:t>
-            </a:r>
-            <a:r>
-              <a:rPr lang="en-US" dirty="0"/>
-              <a:t> </a:t>
-            </a:r>
-            <a:r>
-              <a:rPr lang="en-US" dirty="0" err="1"/>
-              <a:t>durumdayken</a:t>
-            </a:r>
-            <a:r>
-              <a:rPr lang="en-US" dirty="0"/>
-              <a:t>, </a:t>
-            </a:r>
-            <a:r>
-              <a:rPr lang="en-US" dirty="0" err="1"/>
-              <a:t>nesnenin</a:t>
-            </a:r>
-            <a:r>
-              <a:rPr lang="en-US" dirty="0"/>
-              <a:t> </a:t>
-            </a:r>
-            <a:r>
-              <a:rPr lang="en-US" dirty="0" err="1"/>
-              <a:t>ve</a:t>
-            </a:r>
-            <a:r>
-              <a:rPr lang="en-US" dirty="0"/>
-              <a:t> </a:t>
-            </a:r>
-            <a:r>
-              <a:rPr lang="en-US" dirty="0" err="1"/>
-              <a:t>duvarların</a:t>
-            </a:r>
-            <a:r>
-              <a:rPr lang="en-US" dirty="0"/>
-              <a:t> </a:t>
-            </a:r>
-            <a:r>
-              <a:rPr lang="en-US" dirty="0" err="1"/>
-              <a:t>kendisinden</a:t>
-            </a:r>
-            <a:r>
-              <a:rPr lang="en-US" dirty="0"/>
-              <a:t> </a:t>
-            </a:r>
-            <a:r>
-              <a:rPr lang="en-US" dirty="0" err="1"/>
-              <a:t>yayılan</a:t>
-            </a:r>
-            <a:r>
-              <a:rPr lang="en-US" dirty="0"/>
-              <a:t>, </a:t>
-            </a:r>
-            <a:r>
-              <a:rPr lang="en-US" dirty="0" err="1"/>
-              <a:t>odadaki</a:t>
-            </a:r>
-            <a:r>
-              <a:rPr lang="en-US" dirty="0"/>
-              <a:t> </a:t>
-            </a:r>
-            <a:r>
-              <a:rPr lang="en-US" dirty="0" err="1">
-                <a:solidFill>
-                  <a:schemeClr val="accent1"/>
-                </a:solidFill>
-              </a:rPr>
-              <a:t>ortamdan</a:t>
-            </a:r>
-            <a:r>
-              <a:rPr lang="en-US" dirty="0">
-                <a:solidFill>
-                  <a:schemeClr val="accent1"/>
-                </a:solidFill>
-              </a:rPr>
-              <a:t> </a:t>
-            </a:r>
-            <a:r>
-              <a:rPr lang="en-US" dirty="0" err="1">
-                <a:solidFill>
-                  <a:schemeClr val="accent1"/>
-                </a:solidFill>
-              </a:rPr>
-              <a:t>yansıyan</a:t>
-            </a:r>
-            <a:r>
-              <a:rPr lang="en-US" dirty="0">
-                <a:solidFill>
-                  <a:schemeClr val="accent1"/>
-                </a:solidFill>
-              </a:rPr>
-              <a:t> </a:t>
-            </a:r>
-            <a:r>
-              <a:rPr lang="en-US" dirty="0" err="1">
-                <a:solidFill>
-                  <a:schemeClr val="accent1"/>
-                </a:solidFill>
-              </a:rPr>
-              <a:t>sinyallerin</a:t>
-            </a:r>
-            <a:r>
-              <a:rPr lang="en-US" dirty="0">
-                <a:solidFill>
-                  <a:schemeClr val="accent1"/>
-                </a:solidFill>
-              </a:rPr>
-              <a:t> </a:t>
-            </a:r>
-            <a:r>
-              <a:rPr lang="en-US" dirty="0" err="1">
-                <a:solidFill>
-                  <a:schemeClr val="accent1"/>
-                </a:solidFill>
-              </a:rPr>
-              <a:t>bir</a:t>
-            </a:r>
-            <a:r>
-              <a:rPr lang="en-US" dirty="0">
-                <a:solidFill>
-                  <a:schemeClr val="accent1"/>
-                </a:solidFill>
-              </a:rPr>
-              <a:t> </a:t>
-            </a:r>
-            <a:r>
-              <a:rPr lang="en-US" dirty="0" err="1">
-                <a:solidFill>
-                  <a:schemeClr val="accent1"/>
-                </a:solidFill>
-              </a:rPr>
-              <a:t>çeşit</a:t>
-            </a:r>
-            <a:r>
-              <a:rPr lang="en-US" dirty="0">
-                <a:solidFill>
-                  <a:schemeClr val="accent1"/>
-                </a:solidFill>
-              </a:rPr>
-              <a:t> </a:t>
-            </a:r>
-            <a:r>
-              <a:rPr lang="en-US" dirty="0" err="1">
-                <a:solidFill>
-                  <a:schemeClr val="accent1"/>
-                </a:solidFill>
-              </a:rPr>
-              <a:t>imajını</a:t>
-            </a:r>
-            <a:r>
-              <a:rPr lang="en-US" dirty="0">
-                <a:solidFill>
-                  <a:schemeClr val="accent1"/>
-                </a:solidFill>
-              </a:rPr>
-              <a:t> </a:t>
-            </a:r>
-            <a:r>
-              <a:rPr lang="en-US" dirty="0" err="1">
-                <a:solidFill>
-                  <a:schemeClr val="accent1"/>
-                </a:solidFill>
-              </a:rPr>
-              <a:t>toplar</a:t>
-            </a:r>
-            <a:r>
-              <a:rPr lang="en-US" dirty="0"/>
-              <a:t>.</a:t>
-            </a:r>
-          </a:p>
-          <a:p>
-            <a:r>
-              <a:rPr lang="en-US" dirty="0"/>
-              <a:t> </a:t>
-            </a:r>
-            <a:r>
-              <a:rPr lang="en-US" dirty="0">
-                <a:solidFill>
-                  <a:schemeClr val="accent1"/>
-                </a:solidFill>
-              </a:rPr>
-              <a:t>Bir </a:t>
-            </a:r>
-            <a:r>
-              <a:rPr lang="en-US" dirty="0" err="1">
-                <a:solidFill>
-                  <a:schemeClr val="accent1"/>
-                </a:solidFill>
-              </a:rPr>
-              <a:t>cisim</a:t>
-            </a:r>
-            <a:r>
-              <a:rPr lang="en-US" dirty="0">
-                <a:solidFill>
-                  <a:schemeClr val="accent1"/>
-                </a:solidFill>
-              </a:rPr>
-              <a:t> </a:t>
-            </a:r>
-            <a:r>
-              <a:rPr lang="en-US" dirty="0" err="1">
-                <a:solidFill>
-                  <a:schemeClr val="accent1"/>
-                </a:solidFill>
-              </a:rPr>
-              <a:t>sensörün</a:t>
-            </a:r>
-            <a:r>
-              <a:rPr lang="en-US" dirty="0">
-                <a:solidFill>
-                  <a:schemeClr val="accent1"/>
-                </a:solidFill>
-              </a:rPr>
-              <a:t> </a:t>
-            </a:r>
-            <a:r>
-              <a:rPr lang="en-US" dirty="0" err="1">
-                <a:solidFill>
-                  <a:schemeClr val="accent1"/>
-                </a:solidFill>
-              </a:rPr>
-              <a:t>önüne</a:t>
-            </a:r>
-            <a:r>
-              <a:rPr lang="en-US" dirty="0">
-                <a:solidFill>
-                  <a:schemeClr val="accent1"/>
-                </a:solidFill>
-              </a:rPr>
-              <a:t> </a:t>
-            </a:r>
-            <a:r>
-              <a:rPr lang="en-US" dirty="0" err="1">
-                <a:solidFill>
-                  <a:schemeClr val="accent1"/>
-                </a:solidFill>
-              </a:rPr>
-              <a:t>geçtiğinde</a:t>
-            </a:r>
-            <a:r>
-              <a:rPr lang="en-US" dirty="0"/>
-              <a:t>, </a:t>
-            </a:r>
-            <a:r>
-              <a:rPr lang="en-US" dirty="0" err="1"/>
-              <a:t>ortam</a:t>
-            </a:r>
-            <a:r>
-              <a:rPr lang="en-US" dirty="0"/>
-              <a:t> </a:t>
-            </a:r>
-            <a:r>
-              <a:rPr lang="en-US" dirty="0" err="1"/>
-              <a:t>ışığının</a:t>
-            </a:r>
-            <a:r>
-              <a:rPr lang="en-US" dirty="0"/>
-              <a:t> </a:t>
-            </a:r>
-            <a:r>
-              <a:rPr lang="en-US" dirty="0" err="1"/>
-              <a:t>durağan</a:t>
-            </a:r>
-            <a:r>
-              <a:rPr lang="en-US" dirty="0"/>
-              <a:t> </a:t>
-            </a:r>
-            <a:r>
-              <a:rPr lang="en-US" dirty="0" err="1"/>
-              <a:t>görüntüsünden</a:t>
-            </a:r>
-            <a:r>
-              <a:rPr lang="en-US" dirty="0"/>
-              <a:t> </a:t>
-            </a:r>
-            <a:r>
-              <a:rPr lang="en-US" dirty="0" err="1"/>
-              <a:t>farklı</a:t>
-            </a:r>
-            <a:r>
-              <a:rPr lang="en-US" dirty="0"/>
-              <a:t> </a:t>
-            </a:r>
-            <a:r>
-              <a:rPr lang="en-US" dirty="0" err="1"/>
-              <a:t>olarak</a:t>
-            </a:r>
-            <a:r>
-              <a:rPr lang="en-US" dirty="0"/>
-              <a:t>, </a:t>
-            </a:r>
-            <a:r>
-              <a:rPr lang="en-US" dirty="0" err="1">
-                <a:solidFill>
-                  <a:schemeClr val="accent1"/>
-                </a:solidFill>
-              </a:rPr>
-              <a:t>önceden</a:t>
-            </a:r>
-            <a:r>
-              <a:rPr lang="en-US" dirty="0">
-                <a:solidFill>
-                  <a:schemeClr val="accent1"/>
-                </a:solidFill>
-              </a:rPr>
-              <a:t> </a:t>
-            </a:r>
-            <a:r>
-              <a:rPr lang="en-US" dirty="0" err="1">
-                <a:solidFill>
-                  <a:schemeClr val="accent1"/>
-                </a:solidFill>
-              </a:rPr>
-              <a:t>toplanan</a:t>
-            </a:r>
-            <a:r>
-              <a:rPr lang="en-US" dirty="0">
-                <a:solidFill>
-                  <a:schemeClr val="accent1"/>
-                </a:solidFill>
-              </a:rPr>
-              <a:t> </a:t>
-            </a:r>
-            <a:r>
-              <a:rPr lang="en-US" dirty="0" err="1">
-                <a:solidFill>
-                  <a:schemeClr val="accent1"/>
-                </a:solidFill>
-              </a:rPr>
-              <a:t>sinyallere</a:t>
-            </a:r>
-            <a:r>
-              <a:rPr lang="en-US" dirty="0">
-                <a:solidFill>
-                  <a:schemeClr val="accent1"/>
-                </a:solidFill>
-              </a:rPr>
-              <a:t> </a:t>
-            </a:r>
-            <a:r>
-              <a:rPr lang="en-US" dirty="0" err="1">
-                <a:solidFill>
-                  <a:schemeClr val="accent1"/>
-                </a:solidFill>
-              </a:rPr>
-              <a:t>göre</a:t>
-            </a:r>
-            <a:r>
-              <a:rPr lang="en-US" dirty="0">
-                <a:solidFill>
-                  <a:schemeClr val="accent1"/>
-                </a:solidFill>
-              </a:rPr>
-              <a:t> ani </a:t>
-            </a:r>
-            <a:r>
-              <a:rPr lang="en-US" dirty="0" err="1">
-                <a:solidFill>
-                  <a:schemeClr val="accent1"/>
-                </a:solidFill>
-              </a:rPr>
-              <a:t>bir</a:t>
-            </a:r>
-            <a:r>
-              <a:rPr lang="en-US" dirty="0">
-                <a:solidFill>
-                  <a:schemeClr val="accent1"/>
-                </a:solidFill>
-              </a:rPr>
-              <a:t> </a:t>
-            </a:r>
-            <a:r>
-              <a:rPr lang="en-US" dirty="0" err="1">
-                <a:solidFill>
-                  <a:schemeClr val="accent1"/>
-                </a:solidFill>
-              </a:rPr>
-              <a:t>artış</a:t>
-            </a:r>
-            <a:r>
-              <a:rPr lang="en-US" dirty="0">
-                <a:solidFill>
-                  <a:schemeClr val="accent1"/>
-                </a:solidFill>
-              </a:rPr>
-              <a:t> </a:t>
-            </a:r>
-            <a:r>
-              <a:rPr lang="en-US" dirty="0" err="1">
-                <a:solidFill>
-                  <a:schemeClr val="accent1"/>
-                </a:solidFill>
-              </a:rPr>
-              <a:t>olur</a:t>
-            </a:r>
-            <a:r>
-              <a:rPr lang="en-US" dirty="0"/>
-              <a:t> </a:t>
-            </a:r>
-            <a:r>
-              <a:rPr lang="en-US" dirty="0" err="1"/>
-              <a:t>ve</a:t>
-            </a:r>
-            <a:r>
-              <a:rPr lang="en-US" dirty="0"/>
-              <a:t> </a:t>
-            </a:r>
-            <a:r>
-              <a:rPr lang="en-US" dirty="0" err="1"/>
-              <a:t>bu</a:t>
-            </a:r>
-            <a:r>
-              <a:rPr lang="en-US" dirty="0"/>
-              <a:t> </a:t>
-            </a:r>
-            <a:r>
-              <a:rPr lang="en-US" dirty="0" err="1"/>
-              <a:t>sensör</a:t>
-            </a:r>
-            <a:r>
-              <a:rPr lang="en-US" dirty="0"/>
-              <a:t> </a:t>
-            </a:r>
-            <a:r>
-              <a:rPr lang="en-US" dirty="0" err="1"/>
-              <a:t>tarafından</a:t>
-            </a:r>
-            <a:r>
-              <a:rPr lang="en-US" dirty="0"/>
-              <a:t> </a:t>
-            </a:r>
-            <a:r>
-              <a:rPr lang="en-US" dirty="0" err="1"/>
-              <a:t>algılanır</a:t>
-            </a:r>
-            <a:endParaRPr lang="en-US" dirty="0"/>
-          </a:p>
-          <a:p>
-            <a:r>
-              <a:rPr lang="en-US" dirty="0" err="1"/>
-              <a:t>Dijital</a:t>
-            </a:r>
-            <a:r>
-              <a:rPr lang="en-US" dirty="0"/>
-              <a:t> </a:t>
-            </a:r>
-            <a:r>
-              <a:rPr lang="en-US" dirty="0" err="1"/>
-              <a:t>çıkışlı</a:t>
-            </a:r>
-            <a:r>
-              <a:rPr lang="en-US" dirty="0"/>
-              <a:t> </a:t>
-            </a:r>
-            <a:r>
-              <a:rPr lang="en-US" dirty="0" err="1"/>
-              <a:t>olan</a:t>
-            </a:r>
-            <a:r>
-              <a:rPr lang="en-US" dirty="0"/>
-              <a:t> </a:t>
-            </a:r>
-            <a:r>
-              <a:rPr lang="en-US" dirty="0" err="1"/>
-              <a:t>bu</a:t>
-            </a:r>
-            <a:r>
-              <a:rPr lang="en-US" dirty="0"/>
-              <a:t> </a:t>
-            </a:r>
-            <a:r>
-              <a:rPr lang="en-US" dirty="0" err="1"/>
-              <a:t>modül</a:t>
-            </a:r>
-            <a:r>
-              <a:rPr lang="en-US" dirty="0"/>
-              <a:t>, </a:t>
-            </a:r>
-            <a:r>
-              <a:rPr lang="en-US" dirty="0" err="1"/>
-              <a:t>ortamda</a:t>
-            </a:r>
-            <a:r>
-              <a:rPr lang="en-US" dirty="0"/>
-              <a:t> </a:t>
-            </a:r>
-            <a:r>
-              <a:rPr lang="en-US" dirty="0" err="1"/>
-              <a:t>hareket</a:t>
-            </a:r>
-            <a:r>
-              <a:rPr lang="en-US" dirty="0"/>
-              <a:t> </a:t>
-            </a:r>
-            <a:r>
-              <a:rPr lang="en-US" dirty="0" err="1"/>
-              <a:t>algılamadığı</a:t>
-            </a:r>
-            <a:r>
-              <a:rPr lang="en-US" dirty="0"/>
-              <a:t> zaman </a:t>
-            </a:r>
-            <a:r>
-              <a:rPr lang="en-US" dirty="0" err="1"/>
-              <a:t>lojik</a:t>
-            </a:r>
-            <a:r>
-              <a:rPr lang="en-US" dirty="0"/>
-              <a:t> 0, </a:t>
-            </a:r>
-            <a:r>
-              <a:rPr lang="en-US" dirty="0" err="1"/>
-              <a:t>hareket</a:t>
-            </a:r>
-            <a:r>
-              <a:rPr lang="en-US" dirty="0"/>
-              <a:t> </a:t>
-            </a:r>
-            <a:r>
-              <a:rPr lang="en-US" dirty="0" err="1"/>
-              <a:t>algıladığı</a:t>
-            </a:r>
-            <a:r>
-              <a:rPr lang="en-US" dirty="0"/>
-              <a:t> zaman </a:t>
-            </a:r>
-            <a:r>
-              <a:rPr lang="en-US" dirty="0" err="1"/>
-              <a:t>ise</a:t>
-            </a:r>
-            <a:r>
-              <a:rPr lang="en-US" dirty="0"/>
-              <a:t> </a:t>
-            </a:r>
-            <a:r>
-              <a:rPr lang="en-US" dirty="0" err="1"/>
-              <a:t>lojik</a:t>
-            </a:r>
-            <a:r>
-              <a:rPr lang="en-US" dirty="0"/>
-              <a:t> 1 </a:t>
-            </a:r>
-            <a:r>
-              <a:rPr lang="en-US" dirty="0" err="1"/>
-              <a:t>çıkışı</a:t>
-            </a:r>
-            <a:r>
-              <a:rPr lang="en-US" dirty="0"/>
-              <a:t> </a:t>
-            </a:r>
-            <a:r>
-              <a:rPr lang="en-US" dirty="0" err="1"/>
-              <a:t>vermektedir</a:t>
-            </a:r>
-            <a:r>
-              <a:rPr lang="en-US" dirty="0"/>
-              <a:t>.</a:t>
-            </a:r>
-          </a:p>
-        </p:txBody>
-      </p:sp>
+      <p:pic>
+        <p:nvPicPr>
+          <p:cNvPr id="7170" name="Picture 2">
+            <a:extLst>
+              <a:ext uri="{FF2B5EF4-FFF2-40B4-BE49-F238E27FC236}">
+                <a16:creationId xmlns:a16="http://schemas.microsoft.com/office/drawing/2014/main" id="{9E733C50-7C9C-46CA-B87A-409D614056D5}"/>
+              </a:ext>
+            </a:extLst>
+          </p:cNvPr>
+          <p:cNvPicPr>
+            <a:picLocks noGrp="1" noChangeAspect="1" noChangeArrowheads="1"/>
+          </p:cNvPicPr>
+          <p:nvPr>
+            <p:ph sz="half" idx="1"/>
+          </p:nvPr>
+        </p:nvPicPr>
+        <p:blipFill>
+          <a:blip r:embed="rId3">
+            <a:extLst>
+              <a:ext uri="{28A0092B-C50C-407E-A947-70E740481C1C}">
+                <a14:useLocalDpi xmlns:a14="http://schemas.microsoft.com/office/drawing/2010/main" val="0"/>
+              </a:ext>
+            </a:extLst>
+          </a:blip>
+          <a:srcRect/>
+          <a:stretch>
+            <a:fillRect/>
+          </a:stretch>
+        </p:blipFill>
+        <p:spPr bwMode="auto">
+          <a:xfrm>
+            <a:off x="1269598" y="1825625"/>
+            <a:ext cx="4318804" cy="4351338"/>
+          </a:xfrm>
+          <a:prstGeom prst="rect">
+            <a:avLst/>
+          </a:prstGeom>
+          <a:noFill/>
+          <a:extLst>
+            <a:ext uri="{909E8E84-426E-40DD-AFC4-6F175D3DCCD1}">
+              <a14:hiddenFill xmlns:a14="http://schemas.microsoft.com/office/drawing/2010/main">
+                <a:solidFill>
+                  <a:srgbClr val="FFFFFF"/>
+                </a:solidFill>
+              </a14:hiddenFill>
+            </a:ext>
+          </a:extLst>
+        </p:spPr>
+      </p:pic>
+      <p:pic>
+        <p:nvPicPr>
+          <p:cNvPr id="7172" name="Picture 4">
+            <a:extLst>
+              <a:ext uri="{FF2B5EF4-FFF2-40B4-BE49-F238E27FC236}">
+                <a16:creationId xmlns:a16="http://schemas.microsoft.com/office/drawing/2014/main" id="{436A5C09-3D31-4D4B-9692-1FA30A3ED48A}"/>
+              </a:ext>
+            </a:extLst>
+          </p:cNvPr>
+          <p:cNvPicPr>
+            <a:picLocks noGrp="1" noChangeAspect="1" noChangeArrowheads="1"/>
+          </p:cNvPicPr>
+          <p:nvPr>
+            <p:ph sz="half" idx="2"/>
+          </p:nvPr>
+        </p:nvPicPr>
+        <p:blipFill>
+          <a:blip r:embed="rId4">
+            <a:extLst>
+              <a:ext uri="{28A0092B-C50C-407E-A947-70E740481C1C}">
+                <a14:useLocalDpi xmlns:a14="http://schemas.microsoft.com/office/drawing/2010/main" val="0"/>
+              </a:ext>
+            </a:extLst>
+          </a:blip>
+          <a:srcRect/>
+          <a:stretch>
+            <a:fillRect/>
+          </a:stretch>
+        </p:blipFill>
+        <p:spPr bwMode="auto">
+          <a:xfrm>
+            <a:off x="6172200" y="2622260"/>
+            <a:ext cx="5181600" cy="2758068"/>
+          </a:xfrm>
+          <a:prstGeom prst="rect">
+            <a:avLst/>
+          </a:prstGeom>
+          <a:noFill/>
+          <a:extLst>
+            <a:ext uri="{909E8E84-426E-40DD-AFC4-6F175D3DCCD1}">
+              <a14:hiddenFill xmlns:a14="http://schemas.microsoft.com/office/drawing/2010/main">
+                <a:solidFill>
+                  <a:srgbClr val="FFFFFF"/>
+                </a:solidFill>
+              </a14:hiddenFill>
+            </a:ext>
+          </a:extLst>
+        </p:spPr>
+      </p:pic>
     </p:spTree>
     <p:extLst>
       <p:ext uri="{BB962C8B-B14F-4D97-AF65-F5344CB8AC3E}">
-        <p14:creationId xmlns:p14="http://schemas.microsoft.com/office/powerpoint/2010/main" val="1366055623"/>
+        <p14:creationId xmlns:p14="http://schemas.microsoft.com/office/powerpoint/2010/main" val="63020830"/>
       </p:ext>
     </p:extLst>
   </p:cSld>
@@ -9400,6 +9339,930 @@
       </p:grpSpPr>
       <p:sp>
         <p:nvSpPr>
+          <p:cNvPr id="5" name="Title 4">
+            <a:extLst>
+              <a:ext uri="{FF2B5EF4-FFF2-40B4-BE49-F238E27FC236}">
+                <a16:creationId xmlns:a16="http://schemas.microsoft.com/office/drawing/2014/main" id="{C2D54EC6-8C9B-4D3D-AF73-0CCF2DF79FAA}"/>
+              </a:ext>
+            </a:extLst>
+          </p:cNvPr>
+          <p:cNvSpPr>
+            <a:spLocks noGrp="1"/>
+          </p:cNvSpPr>
+          <p:nvPr>
+            <p:ph type="title"/>
+          </p:nvPr>
+        </p:nvSpPr>
+        <p:spPr/>
+        <p:txBody>
+          <a:bodyPr/>
+          <a:lstStyle/>
+          <a:p>
+            <a:r>
+              <a:rPr lang="en-US"/>
+              <a:t>Devre Şeması</a:t>
+            </a:r>
+            <a:endParaRPr lang="en-US" dirty="0"/>
+          </a:p>
+        </p:txBody>
+      </p:sp>
+      <p:pic>
+        <p:nvPicPr>
+          <p:cNvPr id="8194" name="Picture 2" descr="metin, elektronik eşyalar içeren bir resim&#10;&#10;Açıklama otomatik olarak oluşturuldu">
+            <a:extLst>
+              <a:ext uri="{FF2B5EF4-FFF2-40B4-BE49-F238E27FC236}">
+                <a16:creationId xmlns:a16="http://schemas.microsoft.com/office/drawing/2014/main" id="{F7B99B1C-02C1-415F-976B-9C942C3390D7}"/>
+              </a:ext>
+            </a:extLst>
+          </p:cNvPr>
+          <p:cNvPicPr>
+            <a:picLocks noGrp="1" noChangeAspect="1" noChangeArrowheads="1"/>
+          </p:cNvPicPr>
+          <p:nvPr>
+            <p:ph idx="1"/>
+          </p:nvPr>
+        </p:nvPicPr>
+        <p:blipFill>
+          <a:blip r:embed="rId2">
+            <a:extLst>
+              <a:ext uri="{28A0092B-C50C-407E-A947-70E740481C1C}">
+                <a14:useLocalDpi xmlns:a14="http://schemas.microsoft.com/office/drawing/2010/main" val="0"/>
+              </a:ext>
+            </a:extLst>
+          </a:blip>
+          <a:srcRect/>
+          <a:stretch>
+            <a:fillRect/>
+          </a:stretch>
+        </p:blipFill>
+        <p:spPr bwMode="auto">
+          <a:xfrm>
+            <a:off x="4642964" y="1825625"/>
+            <a:ext cx="2906072" cy="4351338"/>
+          </a:xfrm>
+          <a:prstGeom prst="rect">
+            <a:avLst/>
+          </a:prstGeom>
+          <a:noFill/>
+          <a:extLst>
+            <a:ext uri="{909E8E84-426E-40DD-AFC4-6F175D3DCCD1}">
+              <a14:hiddenFill xmlns:a14="http://schemas.microsoft.com/office/drawing/2010/main">
+                <a:solidFill>
+                  <a:srgbClr val="FFFFFF"/>
+                </a:solidFill>
+              </a14:hiddenFill>
+            </a:ext>
+          </a:extLst>
+        </p:spPr>
+      </p:pic>
+    </p:spTree>
+    <p:extLst>
+      <p:ext uri="{BB962C8B-B14F-4D97-AF65-F5344CB8AC3E}">
+        <p14:creationId xmlns:p14="http://schemas.microsoft.com/office/powerpoint/2010/main" val="1508212663"/>
+      </p:ext>
+    </p:extLst>
+  </p:cSld>
+  <p:clrMapOvr>
+    <a:masterClrMapping/>
+  </p:clrMapOvr>
+</p:sld>
+</file>
+
+<file path=ppt/slides/slide24.xml><?xml version="1.0" encoding="utf-8"?>
+<p:sld xmlns:a="http://schemas.openxmlformats.org/drawingml/2006/main" xmlns:r="http://schemas.openxmlformats.org/officeDocument/2006/relationships" xmlns:p="http://schemas.openxmlformats.org/presentationml/2006/main">
+  <p:cSld>
+    <p:spTree>
+      <p:nvGrpSpPr>
+        <p:cNvPr id="1" name=""/>
+        <p:cNvGrpSpPr/>
+        <p:nvPr/>
+      </p:nvGrpSpPr>
+      <p:grpSpPr>
+        <a:xfrm>
+          <a:off x="0" y="0"/>
+          <a:ext cx="0" cy="0"/>
+          <a:chOff x="0" y="0"/>
+          <a:chExt cx="0" cy="0"/>
+        </a:xfrm>
+      </p:grpSpPr>
+      <p:sp>
+        <p:nvSpPr>
+          <p:cNvPr id="4" name="Title 3">
+            <a:extLst>
+              <a:ext uri="{FF2B5EF4-FFF2-40B4-BE49-F238E27FC236}">
+                <a16:creationId xmlns:a16="http://schemas.microsoft.com/office/drawing/2014/main" id="{33CA3D40-DD5E-4706-A879-A54799492363}"/>
+              </a:ext>
+            </a:extLst>
+          </p:cNvPr>
+          <p:cNvSpPr>
+            <a:spLocks noGrp="1"/>
+          </p:cNvSpPr>
+          <p:nvPr>
+            <p:ph type="title"/>
+          </p:nvPr>
+        </p:nvSpPr>
+        <p:spPr/>
+        <p:txBody>
+          <a:bodyPr/>
+          <a:lstStyle/>
+          <a:p>
+            <a:r>
+              <a:rPr lang="en-US" dirty="0"/>
+              <a:t>PIR </a:t>
+            </a:r>
+            <a:r>
+              <a:rPr lang="en-US" dirty="0" err="1"/>
+              <a:t>Sensörü</a:t>
+            </a:r>
+            <a:r>
+              <a:rPr lang="en-US" dirty="0"/>
+              <a:t> </a:t>
+            </a:r>
+            <a:r>
+              <a:rPr lang="en-US" dirty="0" err="1"/>
+              <a:t>Uygulaması</a:t>
+            </a:r>
+            <a:endParaRPr lang="en-US" dirty="0"/>
+          </a:p>
+        </p:txBody>
+      </p:sp>
+      <p:sp>
+        <p:nvSpPr>
+          <p:cNvPr id="5" name="Text Placeholder 4">
+            <a:extLst>
+              <a:ext uri="{FF2B5EF4-FFF2-40B4-BE49-F238E27FC236}">
+                <a16:creationId xmlns:a16="http://schemas.microsoft.com/office/drawing/2014/main" id="{FEE32DDE-7188-48CB-BF75-2EB32B136CE0}"/>
+              </a:ext>
+            </a:extLst>
+          </p:cNvPr>
+          <p:cNvSpPr>
+            <a:spLocks noGrp="1"/>
+          </p:cNvSpPr>
+          <p:nvPr>
+            <p:ph type="body" idx="1"/>
+          </p:nvPr>
+        </p:nvSpPr>
+        <p:spPr/>
+        <p:txBody>
+          <a:bodyPr/>
+          <a:lstStyle/>
+          <a:p>
+            <a:endParaRPr lang="en-US"/>
+          </a:p>
+        </p:txBody>
+      </p:sp>
+    </p:spTree>
+    <p:extLst>
+      <p:ext uri="{BB962C8B-B14F-4D97-AF65-F5344CB8AC3E}">
+        <p14:creationId xmlns:p14="http://schemas.microsoft.com/office/powerpoint/2010/main" val="3187827227"/>
+      </p:ext>
+    </p:extLst>
+  </p:cSld>
+  <p:clrMapOvr>
+    <a:masterClrMapping/>
+  </p:clrMapOvr>
+</p:sld>
+</file>
+
+<file path=ppt/slides/slide25.xml><?xml version="1.0" encoding="utf-8"?>
+<p:sld xmlns:a="http://schemas.openxmlformats.org/drawingml/2006/main" xmlns:r="http://schemas.openxmlformats.org/officeDocument/2006/relationships" xmlns:p="http://schemas.openxmlformats.org/presentationml/2006/main">
+  <p:cSld>
+    <p:spTree>
+      <p:nvGrpSpPr>
+        <p:cNvPr id="1" name=""/>
+        <p:cNvGrpSpPr/>
+        <p:nvPr/>
+      </p:nvGrpSpPr>
+      <p:grpSpPr>
+        <a:xfrm>
+          <a:off x="0" y="0"/>
+          <a:ext cx="0" cy="0"/>
+          <a:chOff x="0" y="0"/>
+          <a:chExt cx="0" cy="0"/>
+        </a:xfrm>
+      </p:grpSpPr>
+      <p:sp>
+        <p:nvSpPr>
+          <p:cNvPr id="4" name="Title 3">
+            <a:extLst>
+              <a:ext uri="{FF2B5EF4-FFF2-40B4-BE49-F238E27FC236}">
+                <a16:creationId xmlns:a16="http://schemas.microsoft.com/office/drawing/2014/main" id="{BFCFFFD1-94F2-4C8E-B3CE-7F4977EA3DD8}"/>
+              </a:ext>
+            </a:extLst>
+          </p:cNvPr>
+          <p:cNvSpPr>
+            <a:spLocks noGrp="1"/>
+          </p:cNvSpPr>
+          <p:nvPr>
+            <p:ph type="title"/>
+          </p:nvPr>
+        </p:nvSpPr>
+        <p:spPr/>
+        <p:txBody>
+          <a:bodyPr/>
+          <a:lstStyle/>
+          <a:p>
+            <a:r>
+              <a:rPr lang="en-US" dirty="0"/>
+              <a:t>PIR </a:t>
+            </a:r>
+            <a:r>
+              <a:rPr lang="en-US" dirty="0" err="1"/>
+              <a:t>Sensörü</a:t>
+            </a:r>
+            <a:r>
+              <a:rPr lang="en-US" dirty="0"/>
+              <a:t> </a:t>
+            </a:r>
+            <a:r>
+              <a:rPr lang="en-US" dirty="0" err="1"/>
+              <a:t>Nedir</a:t>
+            </a:r>
+            <a:r>
+              <a:rPr lang="en-US" dirty="0"/>
+              <a:t>? </a:t>
+            </a:r>
+            <a:r>
+              <a:rPr lang="en-US" dirty="0" err="1"/>
+              <a:t>Nasıl</a:t>
+            </a:r>
+            <a:r>
+              <a:rPr lang="en-US" dirty="0"/>
+              <a:t> </a:t>
+            </a:r>
+            <a:r>
+              <a:rPr lang="en-US" dirty="0" err="1"/>
+              <a:t>Çalışır</a:t>
+            </a:r>
+            <a:r>
+              <a:rPr lang="en-US" dirty="0"/>
+              <a:t>?</a:t>
+            </a:r>
+            <a:br>
+              <a:rPr lang="en-US" dirty="0"/>
+            </a:br>
+            <a:endParaRPr lang="en-US" dirty="0"/>
+          </a:p>
+        </p:txBody>
+      </p:sp>
+      <p:sp>
+        <p:nvSpPr>
+          <p:cNvPr id="5" name="Content Placeholder 4">
+            <a:extLst>
+              <a:ext uri="{FF2B5EF4-FFF2-40B4-BE49-F238E27FC236}">
+                <a16:creationId xmlns:a16="http://schemas.microsoft.com/office/drawing/2014/main" id="{45C90BAE-DE7F-4BBC-A94B-6750C3EAEEC1}"/>
+              </a:ext>
+            </a:extLst>
+          </p:cNvPr>
+          <p:cNvSpPr>
+            <a:spLocks noGrp="1"/>
+          </p:cNvSpPr>
+          <p:nvPr>
+            <p:ph idx="1"/>
+          </p:nvPr>
+        </p:nvSpPr>
+        <p:spPr/>
+        <p:txBody>
+          <a:bodyPr>
+            <a:normAutofit lnSpcReduction="10000"/>
+          </a:bodyPr>
+          <a:lstStyle/>
+          <a:p>
+            <a:r>
+              <a:rPr lang="en-US" dirty="0" err="1"/>
+              <a:t>Hareket</a:t>
+            </a:r>
+            <a:r>
+              <a:rPr lang="en-US" dirty="0"/>
+              <a:t> </a:t>
+            </a:r>
+            <a:r>
+              <a:rPr lang="en-US" dirty="0" err="1"/>
+              <a:t>algılamak</a:t>
+            </a:r>
+            <a:r>
+              <a:rPr lang="en-US" dirty="0"/>
+              <a:t> </a:t>
+            </a:r>
+            <a:r>
+              <a:rPr lang="en-US" dirty="0" err="1"/>
+              <a:t>için</a:t>
+            </a:r>
+            <a:r>
+              <a:rPr lang="en-US" dirty="0"/>
+              <a:t> </a:t>
+            </a:r>
+            <a:r>
+              <a:rPr lang="en-US" dirty="0" err="1"/>
+              <a:t>kullanılır</a:t>
+            </a:r>
+            <a:endParaRPr lang="en-US" dirty="0"/>
+          </a:p>
+          <a:p>
+            <a:r>
+              <a:rPr lang="en-US" dirty="0" err="1"/>
+              <a:t>Sensör</a:t>
+            </a:r>
+            <a:r>
+              <a:rPr lang="en-US" dirty="0"/>
+              <a:t> </a:t>
+            </a:r>
+            <a:r>
+              <a:rPr lang="en-US" dirty="0" err="1"/>
+              <a:t>pasif</a:t>
+            </a:r>
+            <a:r>
+              <a:rPr lang="en-US" dirty="0"/>
+              <a:t> </a:t>
+            </a:r>
+            <a:r>
+              <a:rPr lang="en-US" dirty="0" err="1"/>
+              <a:t>durumdayken</a:t>
+            </a:r>
+            <a:r>
+              <a:rPr lang="en-US" dirty="0"/>
+              <a:t>, </a:t>
+            </a:r>
+            <a:r>
+              <a:rPr lang="en-US" dirty="0" err="1"/>
+              <a:t>nesnenin</a:t>
+            </a:r>
+            <a:r>
+              <a:rPr lang="en-US" dirty="0"/>
+              <a:t> </a:t>
+            </a:r>
+            <a:r>
+              <a:rPr lang="en-US" dirty="0" err="1"/>
+              <a:t>ve</a:t>
+            </a:r>
+            <a:r>
+              <a:rPr lang="en-US" dirty="0"/>
+              <a:t> </a:t>
+            </a:r>
+            <a:r>
+              <a:rPr lang="en-US" dirty="0" err="1"/>
+              <a:t>duvarların</a:t>
+            </a:r>
+            <a:r>
+              <a:rPr lang="en-US" dirty="0"/>
+              <a:t> </a:t>
+            </a:r>
+            <a:r>
+              <a:rPr lang="en-US" dirty="0" err="1"/>
+              <a:t>kendisinden</a:t>
+            </a:r>
+            <a:r>
+              <a:rPr lang="en-US" dirty="0"/>
+              <a:t> </a:t>
+            </a:r>
+            <a:r>
+              <a:rPr lang="en-US" dirty="0" err="1"/>
+              <a:t>yayılan</a:t>
+            </a:r>
+            <a:r>
+              <a:rPr lang="en-US" dirty="0"/>
+              <a:t>, </a:t>
+            </a:r>
+            <a:r>
+              <a:rPr lang="en-US" dirty="0" err="1"/>
+              <a:t>odadaki</a:t>
+            </a:r>
+            <a:r>
+              <a:rPr lang="en-US" dirty="0"/>
+              <a:t> </a:t>
+            </a:r>
+            <a:r>
+              <a:rPr lang="en-US" dirty="0" err="1">
+                <a:solidFill>
+                  <a:schemeClr val="accent1"/>
+                </a:solidFill>
+              </a:rPr>
+              <a:t>ortamdan</a:t>
+            </a:r>
+            <a:r>
+              <a:rPr lang="en-US" dirty="0">
+                <a:solidFill>
+                  <a:schemeClr val="accent1"/>
+                </a:solidFill>
+              </a:rPr>
+              <a:t> </a:t>
+            </a:r>
+            <a:r>
+              <a:rPr lang="en-US" dirty="0" err="1">
+                <a:solidFill>
+                  <a:schemeClr val="accent1"/>
+                </a:solidFill>
+              </a:rPr>
+              <a:t>yansıyan</a:t>
+            </a:r>
+            <a:r>
+              <a:rPr lang="en-US" dirty="0">
+                <a:solidFill>
+                  <a:schemeClr val="accent1"/>
+                </a:solidFill>
+              </a:rPr>
+              <a:t> </a:t>
+            </a:r>
+            <a:r>
+              <a:rPr lang="en-US" dirty="0" err="1">
+                <a:solidFill>
+                  <a:schemeClr val="accent1"/>
+                </a:solidFill>
+              </a:rPr>
+              <a:t>sinyallerin</a:t>
+            </a:r>
+            <a:r>
+              <a:rPr lang="en-US" dirty="0">
+                <a:solidFill>
+                  <a:schemeClr val="accent1"/>
+                </a:solidFill>
+              </a:rPr>
+              <a:t> </a:t>
+            </a:r>
+            <a:r>
+              <a:rPr lang="en-US" dirty="0" err="1">
+                <a:solidFill>
+                  <a:schemeClr val="accent1"/>
+                </a:solidFill>
+              </a:rPr>
+              <a:t>bir</a:t>
+            </a:r>
+            <a:r>
+              <a:rPr lang="en-US" dirty="0">
+                <a:solidFill>
+                  <a:schemeClr val="accent1"/>
+                </a:solidFill>
+              </a:rPr>
+              <a:t> </a:t>
+            </a:r>
+            <a:r>
+              <a:rPr lang="en-US" dirty="0" err="1">
+                <a:solidFill>
+                  <a:schemeClr val="accent1"/>
+                </a:solidFill>
+              </a:rPr>
+              <a:t>çeşit</a:t>
+            </a:r>
+            <a:r>
+              <a:rPr lang="en-US" dirty="0">
+                <a:solidFill>
+                  <a:schemeClr val="accent1"/>
+                </a:solidFill>
+              </a:rPr>
+              <a:t> </a:t>
+            </a:r>
+            <a:r>
+              <a:rPr lang="en-US" dirty="0" err="1">
+                <a:solidFill>
+                  <a:schemeClr val="accent1"/>
+                </a:solidFill>
+              </a:rPr>
+              <a:t>imajını</a:t>
+            </a:r>
+            <a:r>
+              <a:rPr lang="en-US" dirty="0">
+                <a:solidFill>
+                  <a:schemeClr val="accent1"/>
+                </a:solidFill>
+              </a:rPr>
+              <a:t> </a:t>
+            </a:r>
+            <a:r>
+              <a:rPr lang="en-US" dirty="0" err="1">
+                <a:solidFill>
+                  <a:schemeClr val="accent1"/>
+                </a:solidFill>
+              </a:rPr>
+              <a:t>toplar</a:t>
+            </a:r>
+            <a:r>
+              <a:rPr lang="en-US" dirty="0"/>
+              <a:t>.</a:t>
+            </a:r>
+          </a:p>
+          <a:p>
+            <a:r>
+              <a:rPr lang="en-US" dirty="0"/>
+              <a:t> </a:t>
+            </a:r>
+            <a:r>
+              <a:rPr lang="en-US" dirty="0">
+                <a:solidFill>
+                  <a:schemeClr val="accent1"/>
+                </a:solidFill>
+              </a:rPr>
+              <a:t>Bir </a:t>
+            </a:r>
+            <a:r>
+              <a:rPr lang="en-US" dirty="0" err="1">
+                <a:solidFill>
+                  <a:schemeClr val="accent1"/>
+                </a:solidFill>
+              </a:rPr>
+              <a:t>cisim</a:t>
+            </a:r>
+            <a:r>
+              <a:rPr lang="en-US" dirty="0">
+                <a:solidFill>
+                  <a:schemeClr val="accent1"/>
+                </a:solidFill>
+              </a:rPr>
+              <a:t> </a:t>
+            </a:r>
+            <a:r>
+              <a:rPr lang="en-US" dirty="0" err="1">
+                <a:solidFill>
+                  <a:schemeClr val="accent1"/>
+                </a:solidFill>
+              </a:rPr>
+              <a:t>sensörün</a:t>
+            </a:r>
+            <a:r>
+              <a:rPr lang="en-US" dirty="0">
+                <a:solidFill>
+                  <a:schemeClr val="accent1"/>
+                </a:solidFill>
+              </a:rPr>
+              <a:t> </a:t>
+            </a:r>
+            <a:r>
+              <a:rPr lang="en-US" dirty="0" err="1">
+                <a:solidFill>
+                  <a:schemeClr val="accent1"/>
+                </a:solidFill>
+              </a:rPr>
+              <a:t>önüne</a:t>
+            </a:r>
+            <a:r>
+              <a:rPr lang="en-US" dirty="0">
+                <a:solidFill>
+                  <a:schemeClr val="accent1"/>
+                </a:solidFill>
+              </a:rPr>
+              <a:t> </a:t>
+            </a:r>
+            <a:r>
+              <a:rPr lang="en-US" dirty="0" err="1">
+                <a:solidFill>
+                  <a:schemeClr val="accent1"/>
+                </a:solidFill>
+              </a:rPr>
+              <a:t>geçtiğinde</a:t>
+            </a:r>
+            <a:r>
+              <a:rPr lang="en-US" dirty="0"/>
+              <a:t>, </a:t>
+            </a:r>
+            <a:r>
+              <a:rPr lang="en-US" dirty="0" err="1"/>
+              <a:t>ortam</a:t>
+            </a:r>
+            <a:r>
+              <a:rPr lang="en-US" dirty="0"/>
+              <a:t> </a:t>
+            </a:r>
+            <a:r>
+              <a:rPr lang="en-US" dirty="0" err="1"/>
+              <a:t>ışığının</a:t>
+            </a:r>
+            <a:r>
+              <a:rPr lang="en-US" dirty="0"/>
+              <a:t> </a:t>
+            </a:r>
+            <a:r>
+              <a:rPr lang="en-US" dirty="0" err="1"/>
+              <a:t>durağan</a:t>
+            </a:r>
+            <a:r>
+              <a:rPr lang="en-US" dirty="0"/>
+              <a:t> </a:t>
+            </a:r>
+            <a:r>
+              <a:rPr lang="en-US" dirty="0" err="1"/>
+              <a:t>görüntüsünden</a:t>
+            </a:r>
+            <a:r>
+              <a:rPr lang="en-US" dirty="0"/>
+              <a:t> </a:t>
+            </a:r>
+            <a:r>
+              <a:rPr lang="en-US" dirty="0" err="1"/>
+              <a:t>farklı</a:t>
+            </a:r>
+            <a:r>
+              <a:rPr lang="en-US" dirty="0"/>
+              <a:t> </a:t>
+            </a:r>
+            <a:r>
+              <a:rPr lang="en-US" dirty="0" err="1"/>
+              <a:t>olarak</a:t>
+            </a:r>
+            <a:r>
+              <a:rPr lang="en-US" dirty="0"/>
+              <a:t>, </a:t>
+            </a:r>
+            <a:r>
+              <a:rPr lang="en-US" dirty="0" err="1">
+                <a:solidFill>
+                  <a:schemeClr val="accent1"/>
+                </a:solidFill>
+              </a:rPr>
+              <a:t>önceden</a:t>
+            </a:r>
+            <a:r>
+              <a:rPr lang="en-US" dirty="0">
+                <a:solidFill>
+                  <a:schemeClr val="accent1"/>
+                </a:solidFill>
+              </a:rPr>
+              <a:t> </a:t>
+            </a:r>
+            <a:r>
+              <a:rPr lang="en-US" dirty="0" err="1">
+                <a:solidFill>
+                  <a:schemeClr val="accent1"/>
+                </a:solidFill>
+              </a:rPr>
+              <a:t>toplanan</a:t>
+            </a:r>
+            <a:r>
+              <a:rPr lang="en-US" dirty="0">
+                <a:solidFill>
+                  <a:schemeClr val="accent1"/>
+                </a:solidFill>
+              </a:rPr>
+              <a:t> </a:t>
+            </a:r>
+            <a:r>
+              <a:rPr lang="en-US" dirty="0" err="1">
+                <a:solidFill>
+                  <a:schemeClr val="accent1"/>
+                </a:solidFill>
+              </a:rPr>
+              <a:t>sinyallere</a:t>
+            </a:r>
+            <a:r>
+              <a:rPr lang="en-US" dirty="0">
+                <a:solidFill>
+                  <a:schemeClr val="accent1"/>
+                </a:solidFill>
+              </a:rPr>
+              <a:t> </a:t>
+            </a:r>
+            <a:r>
+              <a:rPr lang="en-US" dirty="0" err="1">
+                <a:solidFill>
+                  <a:schemeClr val="accent1"/>
+                </a:solidFill>
+              </a:rPr>
+              <a:t>göre</a:t>
+            </a:r>
+            <a:r>
+              <a:rPr lang="en-US" dirty="0">
+                <a:solidFill>
+                  <a:schemeClr val="accent1"/>
+                </a:solidFill>
+              </a:rPr>
+              <a:t> ani </a:t>
+            </a:r>
+            <a:r>
+              <a:rPr lang="en-US" dirty="0" err="1">
+                <a:solidFill>
+                  <a:schemeClr val="accent1"/>
+                </a:solidFill>
+              </a:rPr>
+              <a:t>bir</a:t>
+            </a:r>
+            <a:r>
+              <a:rPr lang="en-US" dirty="0">
+                <a:solidFill>
+                  <a:schemeClr val="accent1"/>
+                </a:solidFill>
+              </a:rPr>
+              <a:t> </a:t>
+            </a:r>
+            <a:r>
+              <a:rPr lang="en-US" dirty="0" err="1">
+                <a:solidFill>
+                  <a:schemeClr val="accent1"/>
+                </a:solidFill>
+              </a:rPr>
+              <a:t>artış</a:t>
+            </a:r>
+            <a:r>
+              <a:rPr lang="en-US" dirty="0">
+                <a:solidFill>
+                  <a:schemeClr val="accent1"/>
+                </a:solidFill>
+              </a:rPr>
+              <a:t> </a:t>
+            </a:r>
+            <a:r>
+              <a:rPr lang="en-US" dirty="0" err="1">
+                <a:solidFill>
+                  <a:schemeClr val="accent1"/>
+                </a:solidFill>
+              </a:rPr>
+              <a:t>olur</a:t>
+            </a:r>
+            <a:r>
+              <a:rPr lang="en-US" dirty="0"/>
+              <a:t> </a:t>
+            </a:r>
+            <a:r>
+              <a:rPr lang="en-US" dirty="0" err="1"/>
+              <a:t>ve</a:t>
+            </a:r>
+            <a:r>
+              <a:rPr lang="en-US" dirty="0"/>
+              <a:t> </a:t>
+            </a:r>
+            <a:r>
+              <a:rPr lang="en-US" dirty="0" err="1"/>
+              <a:t>bu</a:t>
+            </a:r>
+            <a:r>
+              <a:rPr lang="en-US" dirty="0"/>
+              <a:t> </a:t>
+            </a:r>
+            <a:r>
+              <a:rPr lang="en-US" dirty="0" err="1"/>
+              <a:t>sensör</a:t>
+            </a:r>
+            <a:r>
+              <a:rPr lang="en-US" dirty="0"/>
+              <a:t> </a:t>
+            </a:r>
+            <a:r>
+              <a:rPr lang="en-US" dirty="0" err="1"/>
+              <a:t>tarafından</a:t>
+            </a:r>
+            <a:r>
+              <a:rPr lang="en-US" dirty="0"/>
+              <a:t> </a:t>
+            </a:r>
+            <a:r>
+              <a:rPr lang="en-US" dirty="0" err="1"/>
+              <a:t>algılanır</a:t>
+            </a:r>
+            <a:endParaRPr lang="en-US" dirty="0"/>
+          </a:p>
+          <a:p>
+            <a:r>
+              <a:rPr lang="en-US" dirty="0" err="1"/>
+              <a:t>Dijital</a:t>
+            </a:r>
+            <a:r>
+              <a:rPr lang="en-US" dirty="0"/>
+              <a:t> </a:t>
+            </a:r>
+            <a:r>
+              <a:rPr lang="en-US" dirty="0" err="1"/>
+              <a:t>çıkışlı</a:t>
+            </a:r>
+            <a:r>
+              <a:rPr lang="en-US" dirty="0"/>
+              <a:t> </a:t>
+            </a:r>
+            <a:r>
+              <a:rPr lang="en-US" dirty="0" err="1"/>
+              <a:t>olan</a:t>
+            </a:r>
+            <a:r>
+              <a:rPr lang="en-US" dirty="0"/>
+              <a:t> </a:t>
+            </a:r>
+            <a:r>
+              <a:rPr lang="en-US" dirty="0" err="1"/>
+              <a:t>bu</a:t>
+            </a:r>
+            <a:r>
+              <a:rPr lang="en-US" dirty="0"/>
+              <a:t> </a:t>
+            </a:r>
+            <a:r>
+              <a:rPr lang="en-US" dirty="0" err="1"/>
+              <a:t>modül</a:t>
+            </a:r>
+            <a:r>
+              <a:rPr lang="en-US" dirty="0"/>
+              <a:t>, </a:t>
+            </a:r>
+            <a:r>
+              <a:rPr lang="en-US" dirty="0" err="1"/>
+              <a:t>ortamda</a:t>
+            </a:r>
+            <a:r>
+              <a:rPr lang="en-US" dirty="0"/>
+              <a:t> </a:t>
+            </a:r>
+            <a:r>
+              <a:rPr lang="en-US" dirty="0" err="1"/>
+              <a:t>hareket</a:t>
+            </a:r>
+            <a:r>
+              <a:rPr lang="en-US" dirty="0"/>
+              <a:t> </a:t>
+            </a:r>
+            <a:r>
+              <a:rPr lang="en-US" dirty="0" err="1"/>
+              <a:t>algılamadığı</a:t>
+            </a:r>
+            <a:r>
+              <a:rPr lang="en-US" dirty="0"/>
+              <a:t> zaman </a:t>
+            </a:r>
+            <a:r>
+              <a:rPr lang="en-US" dirty="0" err="1"/>
+              <a:t>lojik</a:t>
+            </a:r>
+            <a:r>
+              <a:rPr lang="en-US" dirty="0"/>
+              <a:t> 0, </a:t>
+            </a:r>
+            <a:r>
+              <a:rPr lang="en-US" dirty="0" err="1"/>
+              <a:t>hareket</a:t>
+            </a:r>
+            <a:r>
+              <a:rPr lang="en-US" dirty="0"/>
+              <a:t> </a:t>
+            </a:r>
+            <a:r>
+              <a:rPr lang="en-US" dirty="0" err="1"/>
+              <a:t>algıladığı</a:t>
+            </a:r>
+            <a:r>
+              <a:rPr lang="en-US" dirty="0"/>
+              <a:t> zaman </a:t>
+            </a:r>
+            <a:r>
+              <a:rPr lang="en-US" dirty="0" err="1"/>
+              <a:t>ise</a:t>
+            </a:r>
+            <a:r>
+              <a:rPr lang="en-US" dirty="0"/>
+              <a:t> </a:t>
+            </a:r>
+            <a:r>
+              <a:rPr lang="en-US" dirty="0" err="1"/>
+              <a:t>lojik</a:t>
+            </a:r>
+            <a:r>
+              <a:rPr lang="en-US" dirty="0"/>
+              <a:t> 1 </a:t>
+            </a:r>
+            <a:r>
+              <a:rPr lang="en-US" dirty="0" err="1"/>
+              <a:t>çıkışı</a:t>
+            </a:r>
+            <a:r>
+              <a:rPr lang="en-US" dirty="0"/>
+              <a:t> </a:t>
+            </a:r>
+            <a:r>
+              <a:rPr lang="en-US" dirty="0" err="1"/>
+              <a:t>vermektedir</a:t>
+            </a:r>
+            <a:r>
+              <a:rPr lang="en-US" dirty="0"/>
+              <a:t>.</a:t>
+            </a:r>
+          </a:p>
+        </p:txBody>
+      </p:sp>
+    </p:spTree>
+    <p:extLst>
+      <p:ext uri="{BB962C8B-B14F-4D97-AF65-F5344CB8AC3E}">
+        <p14:creationId xmlns:p14="http://schemas.microsoft.com/office/powerpoint/2010/main" val="1366055623"/>
+      </p:ext>
+    </p:extLst>
+  </p:cSld>
+  <p:clrMapOvr>
+    <a:masterClrMapping/>
+  </p:clrMapOvr>
+</p:sld>
+</file>
+
+<file path=ppt/slides/slide26.xml><?xml version="1.0" encoding="utf-8"?>
+<p:sld xmlns:a="http://schemas.openxmlformats.org/drawingml/2006/main" xmlns:r="http://schemas.openxmlformats.org/officeDocument/2006/relationships" xmlns:p="http://schemas.openxmlformats.org/presentationml/2006/main">
+  <p:cSld>
+    <p:spTree>
+      <p:nvGrpSpPr>
+        <p:cNvPr id="1" name=""/>
+        <p:cNvGrpSpPr/>
+        <p:nvPr/>
+      </p:nvGrpSpPr>
+      <p:grpSpPr>
+        <a:xfrm>
+          <a:off x="0" y="0"/>
+          <a:ext cx="0" cy="0"/>
+          <a:chOff x="0" y="0"/>
+          <a:chExt cx="0" cy="0"/>
+        </a:xfrm>
+      </p:grpSpPr>
+      <p:sp>
+        <p:nvSpPr>
           <p:cNvPr id="2" name="Title 1">
             <a:extLst>
               <a:ext uri="{FF2B5EF4-FFF2-40B4-BE49-F238E27FC236}">
@@ -9479,7 +10342,7 @@
 </p:sld>
 </file>
 
-<file path=ppt/slides/slide24.xml><?xml version="1.0" encoding="utf-8"?>
+<file path=ppt/slides/slide27.xml><?xml version="1.0" encoding="utf-8"?>
 <p:sld xmlns:a="http://schemas.openxmlformats.org/drawingml/2006/main" xmlns:r="http://schemas.openxmlformats.org/officeDocument/2006/relationships" xmlns:p="http://schemas.openxmlformats.org/presentationml/2006/main">
   <p:cSld>
     <p:spTree>
